--- a/BAO CAO OJT K10A.pptx
+++ b/BAO CAO OJT K10A.pptx
@@ -203,7 +203,7 @@
           <a:p>
             <a:fld id="{32677ACA-A711-4395-A5FA-5E849FBE6ADF}" type="datetimeFigureOut">
               <a:rPr lang="en-US" smtClean="0"/>
-              <a:t>12/21/2016</a:t>
+              <a:t>12/22/2016</a:t>
             </a:fld>
             <a:endParaRPr lang="en-US"/>
           </a:p>
@@ -1932,7 +1932,7 @@
             <a:fld id="{1D8BD707-D9CF-40AE-B4C6-C98DA3205C09}" type="datetimeFigureOut">
               <a:rPr lang="en-US" smtClean="0"/>
               <a:pPr/>
-              <a:t>12/21/2016</a:t>
+              <a:t>12/22/2016</a:t>
             </a:fld>
             <a:endParaRPr lang="en-US"/>
           </a:p>
@@ -2099,7 +2099,7 @@
             <a:fld id="{1D8BD707-D9CF-40AE-B4C6-C98DA3205C09}" type="datetimeFigureOut">
               <a:rPr lang="en-US" smtClean="0"/>
               <a:pPr/>
-              <a:t>12/21/2016</a:t>
+              <a:t>12/22/2016</a:t>
             </a:fld>
             <a:endParaRPr lang="en-US"/>
           </a:p>
@@ -2276,7 +2276,7 @@
             <a:fld id="{1D8BD707-D9CF-40AE-B4C6-C98DA3205C09}" type="datetimeFigureOut">
               <a:rPr lang="en-US" smtClean="0"/>
               <a:pPr/>
-              <a:t>12/21/2016</a:t>
+              <a:t>12/22/2016</a:t>
             </a:fld>
             <a:endParaRPr lang="en-US"/>
           </a:p>
@@ -2447,7 +2447,7 @@
             <a:fld id="{1D8BD707-D9CF-40AE-B4C6-C98DA3205C09}" type="datetimeFigureOut">
               <a:rPr lang="en-US" smtClean="0"/>
               <a:pPr/>
-              <a:t>12/21/2016</a:t>
+              <a:t>12/22/2016</a:t>
             </a:fld>
             <a:endParaRPr lang="en-US"/>
           </a:p>
@@ -2904,7 +2904,7 @@
             <a:fld id="{1D8BD707-D9CF-40AE-B4C6-C98DA3205C09}" type="datetimeFigureOut">
               <a:rPr lang="en-US" smtClean="0"/>
               <a:pPr/>
-              <a:t>12/21/2016</a:t>
+              <a:t>12/22/2016</a:t>
             </a:fld>
             <a:endParaRPr lang="en-US"/>
           </a:p>
@@ -3170,7 +3170,7 @@
             <a:fld id="{1D8BD707-D9CF-40AE-B4C6-C98DA3205C09}" type="datetimeFigureOut">
               <a:rPr lang="en-US" smtClean="0"/>
               <a:pPr/>
-              <a:t>12/21/2016</a:t>
+              <a:t>12/22/2016</a:t>
             </a:fld>
             <a:endParaRPr lang="en-US"/>
           </a:p>
@@ -3546,7 +3546,7 @@
             <a:fld id="{1D8BD707-D9CF-40AE-B4C6-C98DA3205C09}" type="datetimeFigureOut">
               <a:rPr lang="en-US" smtClean="0"/>
               <a:pPr/>
-              <a:t>12/21/2016</a:t>
+              <a:t>12/22/2016</a:t>
             </a:fld>
             <a:endParaRPr lang="en-US"/>
           </a:p>
@@ -3670,7 +3670,7 @@
             <a:fld id="{1D8BD707-D9CF-40AE-B4C6-C98DA3205C09}" type="datetimeFigureOut">
               <a:rPr lang="en-US" smtClean="0"/>
               <a:pPr/>
-              <a:t>12/21/2016</a:t>
+              <a:t>12/22/2016</a:t>
             </a:fld>
             <a:endParaRPr lang="en-US"/>
           </a:p>
@@ -3762,7 +3762,7 @@
             <a:fld id="{1D8BD707-D9CF-40AE-B4C6-C98DA3205C09}" type="datetimeFigureOut">
               <a:rPr lang="en-US" smtClean="0"/>
               <a:pPr/>
-              <a:t>12/21/2016</a:t>
+              <a:t>12/22/2016</a:t>
             </a:fld>
             <a:endParaRPr lang="en-US"/>
           </a:p>
@@ -4013,7 +4013,7 @@
             <a:fld id="{1D8BD707-D9CF-40AE-B4C6-C98DA3205C09}" type="datetimeFigureOut">
               <a:rPr lang="en-US" smtClean="0"/>
               <a:pPr/>
-              <a:t>12/21/2016</a:t>
+              <a:t>12/22/2016</a:t>
             </a:fld>
             <a:endParaRPr lang="en-US"/>
           </a:p>
@@ -4274,7 +4274,7 @@
             <a:fld id="{1D8BD707-D9CF-40AE-B4C6-C98DA3205C09}" type="datetimeFigureOut">
               <a:rPr lang="en-US" smtClean="0"/>
               <a:pPr/>
-              <a:t>12/21/2016</a:t>
+              <a:t>12/22/2016</a:t>
             </a:fld>
             <a:endParaRPr lang="en-US"/>
           </a:p>
@@ -4680,7 +4680,7 @@
             <a:fld id="{1D8BD707-D9CF-40AE-B4C6-C98DA3205C09}" type="datetimeFigureOut">
               <a:rPr lang="en-US" smtClean="0"/>
               <a:pPr/>
-              <a:t>12/21/2016</a:t>
+              <a:t>12/22/2016</a:t>
             </a:fld>
             <a:endParaRPr lang="en-US"/>
           </a:p>
@@ -5442,7 +5442,7 @@
         <p:spPr>
           <a:xfrm>
             <a:off x="914400" y="1493837"/>
-            <a:ext cx="7467600" cy="3306763"/>
+            <a:ext cx="7467600" cy="4830763"/>
           </a:xfrm>
         </p:spPr>
         <p:txBody>
@@ -5945,6 +5945,138 @@
               </a:rPr>
               <a:t>.</a:t>
             </a:r>
+          </a:p>
+          <a:p>
+            <a:r>
+              <a:rPr lang="en-US" sz="2400" dirty="0" err="1" smtClean="0">
+                <a:latin typeface="Times New Roman" pitchFamily="18" charset="0"/>
+                <a:cs typeface="Times New Roman" pitchFamily="18" charset="0"/>
+              </a:rPr>
+              <a:t>Chưa</a:t>
+            </a:r>
+            <a:r>
+              <a:rPr lang="en-US" sz="2400" dirty="0" smtClean="0">
+                <a:latin typeface="Times New Roman" pitchFamily="18" charset="0"/>
+                <a:cs typeface="Times New Roman" pitchFamily="18" charset="0"/>
+              </a:rPr>
+              <a:t> </a:t>
+            </a:r>
+            <a:r>
+              <a:rPr lang="en-US" sz="2400" dirty="0" err="1" smtClean="0">
+                <a:latin typeface="Times New Roman" pitchFamily="18" charset="0"/>
+                <a:cs typeface="Times New Roman" pitchFamily="18" charset="0"/>
+              </a:rPr>
+              <a:t>có</a:t>
+            </a:r>
+            <a:r>
+              <a:rPr lang="en-US" sz="2400" dirty="0" smtClean="0">
+                <a:latin typeface="Times New Roman" pitchFamily="18" charset="0"/>
+                <a:cs typeface="Times New Roman" pitchFamily="18" charset="0"/>
+              </a:rPr>
+              <a:t> </a:t>
+            </a:r>
+            <a:r>
+              <a:rPr lang="en-US" sz="2400" dirty="0" err="1" smtClean="0">
+                <a:latin typeface="Times New Roman" pitchFamily="18" charset="0"/>
+                <a:cs typeface="Times New Roman" pitchFamily="18" charset="0"/>
+              </a:rPr>
+              <a:t>kinh</a:t>
+            </a:r>
+            <a:r>
+              <a:rPr lang="en-US" sz="2400" dirty="0" smtClean="0">
+                <a:latin typeface="Times New Roman" pitchFamily="18" charset="0"/>
+                <a:cs typeface="Times New Roman" pitchFamily="18" charset="0"/>
+              </a:rPr>
+              <a:t> </a:t>
+            </a:r>
+            <a:r>
+              <a:rPr lang="en-US" sz="2400" dirty="0" err="1" smtClean="0">
+                <a:latin typeface="Times New Roman" pitchFamily="18" charset="0"/>
+                <a:cs typeface="Times New Roman" pitchFamily="18" charset="0"/>
+              </a:rPr>
+              <a:t>nghiệm</a:t>
+            </a:r>
+            <a:r>
+              <a:rPr lang="en-US" sz="2400" dirty="0" smtClean="0">
+                <a:latin typeface="Times New Roman" pitchFamily="18" charset="0"/>
+                <a:cs typeface="Times New Roman" pitchFamily="18" charset="0"/>
+              </a:rPr>
+              <a:t> </a:t>
+            </a:r>
+            <a:r>
+              <a:rPr lang="en-US" sz="2400" dirty="0" err="1" smtClean="0">
+                <a:latin typeface="Times New Roman" pitchFamily="18" charset="0"/>
+                <a:cs typeface="Times New Roman" pitchFamily="18" charset="0"/>
+              </a:rPr>
+              <a:t>đọc</a:t>
+            </a:r>
+            <a:r>
+              <a:rPr lang="en-US" sz="2400" dirty="0" smtClean="0">
+                <a:latin typeface="Times New Roman" pitchFamily="18" charset="0"/>
+                <a:cs typeface="Times New Roman" pitchFamily="18" charset="0"/>
+              </a:rPr>
+              <a:t> </a:t>
+            </a:r>
+            <a:r>
+              <a:rPr lang="en-US" sz="2400" dirty="0" err="1" smtClean="0">
+                <a:latin typeface="Times New Roman" pitchFamily="18" charset="0"/>
+                <a:cs typeface="Times New Roman" pitchFamily="18" charset="0"/>
+              </a:rPr>
+              <a:t>tài</a:t>
+            </a:r>
+            <a:r>
+              <a:rPr lang="en-US" sz="2400" dirty="0" smtClean="0">
+                <a:latin typeface="Times New Roman" pitchFamily="18" charset="0"/>
+                <a:cs typeface="Times New Roman" pitchFamily="18" charset="0"/>
+              </a:rPr>
+              <a:t> </a:t>
+            </a:r>
+            <a:r>
+              <a:rPr lang="en-US" sz="2400" dirty="0" err="1" smtClean="0">
+                <a:latin typeface="Times New Roman" pitchFamily="18" charset="0"/>
+                <a:cs typeface="Times New Roman" pitchFamily="18" charset="0"/>
+              </a:rPr>
+              <a:t>liệu</a:t>
+            </a:r>
+            <a:r>
+              <a:rPr lang="en-US" sz="2400" dirty="0" smtClean="0">
+                <a:latin typeface="Times New Roman" pitchFamily="18" charset="0"/>
+                <a:cs typeface="Times New Roman" pitchFamily="18" charset="0"/>
+              </a:rPr>
+              <a:t> </a:t>
+            </a:r>
+            <a:r>
+              <a:rPr lang="en-US" sz="2400" dirty="0" err="1" smtClean="0">
+                <a:latin typeface="Times New Roman" pitchFamily="18" charset="0"/>
+                <a:cs typeface="Times New Roman" pitchFamily="18" charset="0"/>
+              </a:rPr>
+              <a:t>tiếng</a:t>
+            </a:r>
+            <a:r>
+              <a:rPr lang="en-US" sz="2400" dirty="0" smtClean="0">
+                <a:latin typeface="Times New Roman" pitchFamily="18" charset="0"/>
+                <a:cs typeface="Times New Roman" pitchFamily="18" charset="0"/>
+              </a:rPr>
+              <a:t> </a:t>
+            </a:r>
+            <a:r>
+              <a:rPr lang="en-US" sz="2400" dirty="0" err="1" smtClean="0">
+                <a:latin typeface="Times New Roman" pitchFamily="18" charset="0"/>
+                <a:cs typeface="Times New Roman" pitchFamily="18" charset="0"/>
+              </a:rPr>
+              <a:t>Anh</a:t>
+            </a:r>
+            <a:r>
+              <a:rPr lang="en-US" sz="2400" dirty="0" smtClean="0">
+                <a:latin typeface="Times New Roman" pitchFamily="18" charset="0"/>
+                <a:cs typeface="Times New Roman" pitchFamily="18" charset="0"/>
+              </a:rPr>
+              <a:t>.</a:t>
+            </a:r>
+            <a:endParaRPr lang="en-US" sz="2400" dirty="0" smtClean="0">
+              <a:latin typeface="Times New Roman" pitchFamily="18" charset="0"/>
+              <a:cs typeface="Times New Roman" pitchFamily="18" charset="0"/>
+            </a:endParaRPr>
           </a:p>
           <a:p>
             <a:endParaRPr lang="en-US" sz="2000" dirty="0">
@@ -6041,7 +6173,7 @@
         <p:spPr>
           <a:xfrm>
             <a:off x="762000" y="1524000"/>
-            <a:ext cx="7467600" cy="2438400"/>
+            <a:ext cx="7467600" cy="2971800"/>
           </a:xfrm>
         </p:spPr>
         <p:txBody>
@@ -6069,27 +6201,41 @@
                 <a:latin typeface="Times New Roman" pitchFamily="18" charset="0"/>
                 <a:cs typeface="Times New Roman" pitchFamily="18" charset="0"/>
               </a:rPr>
-              <a:t>tập được rất nhiều </a:t>
+              <a:t>tập </a:t>
             </a:r>
             <a:r>
               <a:rPr lang="vi-VN" sz="2400" dirty="0" smtClean="0">
                 <a:latin typeface="Times New Roman" pitchFamily="18" charset="0"/>
                 <a:cs typeface="Times New Roman" pitchFamily="18" charset="0"/>
               </a:rPr>
-              <a:t>về </a:t>
+              <a:t>và củng cố được </a:t>
             </a:r>
             <a:r>
               <a:rPr lang="vi-VN" sz="2400" dirty="0">
                 <a:latin typeface="Times New Roman" pitchFamily="18" charset="0"/>
                 <a:cs typeface="Times New Roman" pitchFamily="18" charset="0"/>
               </a:rPr>
-              <a:t>kiến thức chuyên </a:t>
+              <a:t>rất nhiều </a:t>
             </a:r>
             <a:r>
               <a:rPr lang="vi-VN" sz="2400" dirty="0" smtClean="0">
                 <a:latin typeface="Times New Roman" pitchFamily="18" charset="0"/>
                 <a:cs typeface="Times New Roman" pitchFamily="18" charset="0"/>
               </a:rPr>
+              <a:t>kiến </a:t>
+            </a:r>
+            <a:r>
+              <a:rPr lang="vi-VN" sz="2400" dirty="0">
+                <a:latin typeface="Times New Roman" pitchFamily="18" charset="0"/>
+                <a:cs typeface="Times New Roman" pitchFamily="18" charset="0"/>
+              </a:rPr>
+              <a:t>thức chuyên </a:t>
+            </a:r>
+            <a:r>
+              <a:rPr lang="vi-VN" sz="2400" dirty="0" smtClean="0">
+                <a:latin typeface="Times New Roman" pitchFamily="18" charset="0"/>
+                <a:cs typeface="Times New Roman" pitchFamily="18" charset="0"/>
+              </a:rPr>
               <a:t>môn</a:t>
             </a:r>
             <a:r>
@@ -6102,185 +6248,69 @@
           </a:p>
           <a:p>
             <a:r>
-              <a:rPr lang="en-US" sz="2400" dirty="0" err="1" smtClean="0">
-                <a:latin typeface="Times New Roman" pitchFamily="18" charset="0"/>
-                <a:cs typeface="Times New Roman" pitchFamily="18" charset="0"/>
-              </a:rPr>
-              <a:t>Rút</a:t>
-            </a:r>
-            <a:r>
-              <a:rPr lang="en-US" sz="2400" dirty="0" smtClean="0">
-                <a:latin typeface="Times New Roman" pitchFamily="18" charset="0"/>
-                <a:cs typeface="Times New Roman" pitchFamily="18" charset="0"/>
-              </a:rPr>
-              <a:t> </a:t>
-            </a:r>
-            <a:r>
-              <a:rPr lang="en-US" sz="2400" dirty="0" err="1" smtClean="0">
-                <a:latin typeface="Times New Roman" pitchFamily="18" charset="0"/>
-                <a:cs typeface="Times New Roman" pitchFamily="18" charset="0"/>
-              </a:rPr>
-              <a:t>ra</a:t>
-            </a:r>
-            <a:r>
-              <a:rPr lang="en-US" sz="2400" dirty="0" smtClean="0">
-                <a:latin typeface="Times New Roman" pitchFamily="18" charset="0"/>
-                <a:cs typeface="Times New Roman" pitchFamily="18" charset="0"/>
-              </a:rPr>
-              <a:t> </a:t>
-            </a:r>
-            <a:r>
-              <a:rPr lang="en-US" sz="2400" dirty="0" err="1" smtClean="0">
-                <a:latin typeface="Times New Roman" pitchFamily="18" charset="0"/>
-                <a:cs typeface="Times New Roman" pitchFamily="18" charset="0"/>
-              </a:rPr>
-              <a:t>đươc</a:t>
-            </a:r>
-            <a:r>
-              <a:rPr lang="en-US" sz="2400" dirty="0" smtClean="0">
-                <a:latin typeface="Times New Roman" pitchFamily="18" charset="0"/>
-                <a:cs typeface="Times New Roman" pitchFamily="18" charset="0"/>
-              </a:rPr>
-              <a:t> </a:t>
-            </a:r>
-            <a:r>
-              <a:rPr lang="en-US" sz="2400" dirty="0" err="1" smtClean="0">
-                <a:latin typeface="Times New Roman" pitchFamily="18" charset="0"/>
-                <a:cs typeface="Times New Roman" pitchFamily="18" charset="0"/>
-              </a:rPr>
-              <a:t>nhiều</a:t>
-            </a:r>
-            <a:r>
               <a:rPr lang="vi-VN" sz="2400" dirty="0" smtClean="0">
                 <a:latin typeface="Times New Roman" pitchFamily="18" charset="0"/>
                 <a:cs typeface="Times New Roman" pitchFamily="18" charset="0"/>
               </a:rPr>
-              <a:t> </a:t>
+              <a:t>Nâng </a:t>
             </a:r>
             <a:r>
               <a:rPr lang="vi-VN" sz="2400" dirty="0">
                 <a:latin typeface="Times New Roman" pitchFamily="18" charset="0"/>
                 <a:cs typeface="Times New Roman" pitchFamily="18" charset="0"/>
               </a:rPr>
-              <a:t>kinh </a:t>
+              <a:t>cao kỹ năng làm việc </a:t>
             </a:r>
             <a:r>
               <a:rPr lang="vi-VN" sz="2400" dirty="0" smtClean="0">
                 <a:latin typeface="Times New Roman" pitchFamily="18" charset="0"/>
                 <a:cs typeface="Times New Roman" pitchFamily="18" charset="0"/>
               </a:rPr>
-              <a:t>nghiệm</a:t>
-            </a:r>
-            <a:r>
-              <a:rPr lang="en-US" sz="2400" dirty="0" smtClean="0">
-                <a:latin typeface="Times New Roman" pitchFamily="18" charset="0"/>
-                <a:cs typeface="Times New Roman" pitchFamily="18" charset="0"/>
-              </a:rPr>
-              <a:t> </a:t>
-            </a:r>
-            <a:r>
-              <a:rPr lang="en-US" sz="2400" dirty="0" err="1" smtClean="0">
-                <a:latin typeface="Times New Roman" pitchFamily="18" charset="0"/>
-                <a:cs typeface="Times New Roman" pitchFamily="18" charset="0"/>
-              </a:rPr>
-              <a:t>trong</a:t>
-            </a:r>
-            <a:r>
-              <a:rPr lang="en-US" sz="2400" dirty="0" smtClean="0">
-                <a:latin typeface="Times New Roman" pitchFamily="18" charset="0"/>
-                <a:cs typeface="Times New Roman" pitchFamily="18" charset="0"/>
-              </a:rPr>
-              <a:t> </a:t>
-            </a:r>
-            <a:r>
-              <a:rPr lang="en-US" sz="2400" dirty="0" err="1" smtClean="0">
-                <a:latin typeface="Times New Roman" pitchFamily="18" charset="0"/>
-                <a:cs typeface="Times New Roman" pitchFamily="18" charset="0"/>
-              </a:rPr>
-              <a:t>lúc</a:t>
-            </a:r>
-            <a:r>
-              <a:rPr lang="en-US" sz="2400" dirty="0" smtClean="0">
-                <a:latin typeface="Times New Roman" pitchFamily="18" charset="0"/>
-                <a:cs typeface="Times New Roman" pitchFamily="18" charset="0"/>
-              </a:rPr>
-              <a:t> </a:t>
-            </a:r>
-            <a:r>
-              <a:rPr lang="en-US" sz="2400" dirty="0" err="1" smtClean="0">
-                <a:latin typeface="Times New Roman" pitchFamily="18" charset="0"/>
-                <a:cs typeface="Times New Roman" pitchFamily="18" charset="0"/>
-              </a:rPr>
-              <a:t>làm</a:t>
-            </a:r>
-            <a:r>
-              <a:rPr lang="en-US" sz="2400" dirty="0" smtClean="0">
-                <a:latin typeface="Times New Roman" pitchFamily="18" charset="0"/>
-                <a:cs typeface="Times New Roman" pitchFamily="18" charset="0"/>
-              </a:rPr>
-              <a:t> </a:t>
-            </a:r>
-            <a:r>
-              <a:rPr lang="en-US" sz="2400" dirty="0" err="1" smtClean="0">
-                <a:latin typeface="Times New Roman" pitchFamily="18" charset="0"/>
-                <a:cs typeface="Times New Roman" pitchFamily="18" charset="0"/>
-              </a:rPr>
-              <a:t>việc</a:t>
-            </a:r>
-            <a:r>
-              <a:rPr lang="en-US" sz="2400" dirty="0" smtClean="0">
-                <a:latin typeface="Times New Roman" pitchFamily="18" charset="0"/>
-                <a:cs typeface="Times New Roman" pitchFamily="18" charset="0"/>
-              </a:rPr>
-              <a:t>, </a:t>
+              <a:t>nhóm</a:t>
+            </a:r>
+            <a:r>
+              <a:rPr lang="en-US" sz="2400" dirty="0" smtClean="0">
+                <a:latin typeface="Times New Roman" pitchFamily="18" charset="0"/>
+                <a:cs typeface="Times New Roman" pitchFamily="18" charset="0"/>
+              </a:rPr>
+              <a:t>.</a:t>
+            </a:r>
+          </a:p>
+          <a:p>
+            <a:r>
+              <a:rPr lang="vi-VN" sz="2400" dirty="0">
+                <a:latin typeface="Times New Roman" pitchFamily="18" charset="0"/>
+                <a:cs typeface="Times New Roman" pitchFamily="18" charset="0"/>
+              </a:rPr>
+              <a:t>Nâng cao kỹ năng quản lí thời gian, phân chia công việc </a:t>
             </a:r>
             <a:r>
               <a:rPr lang="vi-VN" sz="2400" dirty="0" smtClean="0">
                 <a:latin typeface="Times New Roman" pitchFamily="18" charset="0"/>
                 <a:cs typeface="Times New Roman" pitchFamily="18" charset="0"/>
               </a:rPr>
-              <a:t>học </a:t>
+              <a:t>hợp lý.</a:t>
+            </a:r>
+          </a:p>
+          <a:p>
+            <a:pPr lvl="0"/>
+            <a:r>
+              <a:rPr lang="vi-VN" sz="2400" dirty="0" smtClean="0">
+                <a:latin typeface="Times New Roman" pitchFamily="18" charset="0"/>
+                <a:cs typeface="Times New Roman" pitchFamily="18" charset="0"/>
+              </a:rPr>
+              <a:t>Thêm kinh </a:t>
             </a:r>
             <a:r>
               <a:rPr lang="vi-VN" sz="2400" dirty="0">
                 <a:latin typeface="Times New Roman" pitchFamily="18" charset="0"/>
                 <a:cs typeface="Times New Roman" pitchFamily="18" charset="0"/>
               </a:rPr>
-              <a:t>thêm được nhiều phương pháp để test và nhiều hướng khác nhau để giải quyết vấn đề</a:t>
-            </a:r>
-            <a:r>
-              <a:rPr lang="en-US" sz="2400" dirty="0" smtClean="0">
-                <a:latin typeface="Times New Roman" pitchFamily="18" charset="0"/>
-                <a:cs typeface="Times New Roman" pitchFamily="18" charset="0"/>
-              </a:rPr>
-              <a:t>.</a:t>
-            </a:r>
-          </a:p>
-          <a:p>
-            <a:r>
-              <a:rPr lang="vi-VN" sz="2400" dirty="0">
-                <a:latin typeface="Times New Roman" pitchFamily="18" charset="0"/>
-                <a:cs typeface="Times New Roman" pitchFamily="18" charset="0"/>
-              </a:rPr>
-              <a:t>Nâng cao kỹ năng làm việc </a:t>
-            </a:r>
-            <a:r>
-              <a:rPr lang="vi-VN" sz="2400" dirty="0" smtClean="0">
-                <a:latin typeface="Times New Roman" pitchFamily="18" charset="0"/>
-                <a:cs typeface="Times New Roman" pitchFamily="18" charset="0"/>
-              </a:rPr>
-              <a:t>nhóm</a:t>
-            </a:r>
-            <a:r>
-              <a:rPr lang="en-US" sz="2400" dirty="0" smtClean="0">
-                <a:latin typeface="Times New Roman" pitchFamily="18" charset="0"/>
-                <a:cs typeface="Times New Roman" pitchFamily="18" charset="0"/>
-              </a:rPr>
-              <a:t>.</a:t>
-            </a:r>
-          </a:p>
-          <a:p>
-            <a:endParaRPr lang="en-US" sz="2000" dirty="0">
+              <a:t>nghiệm làm việc trong môi trường thực tế, áp dụng các kiến thức đã học vào công việc thực tế.</a:t>
+            </a:r>
+          </a:p>
+          <a:p>
+            <a:endParaRPr lang="en-US" sz="2400" dirty="0">
               <a:latin typeface="Times New Roman" pitchFamily="18" charset="0"/>
               <a:cs typeface="Times New Roman" pitchFamily="18" charset="0"/>
             </a:endParaRPr>
@@ -6391,21 +6421,7 @@
                 <a:latin typeface="Times New Roman" pitchFamily="18" charset="0"/>
                 <a:cs typeface="Times New Roman" pitchFamily="18" charset="0"/>
               </a:rPr>
-              <a:t>THANKS </a:t>
-            </a:r>
-            <a:r>
-              <a:rPr lang="en-US" sz="4500" dirty="0">
-                <a:latin typeface="Times New Roman" pitchFamily="18" charset="0"/>
-                <a:cs typeface="Times New Roman" pitchFamily="18" charset="0"/>
-              </a:rPr>
-              <a:t>FOR </a:t>
-            </a:r>
-            <a:r>
-              <a:rPr lang="en-US" sz="4500" dirty="0" smtClean="0">
-                <a:latin typeface="Times New Roman" pitchFamily="18" charset="0"/>
-                <a:cs typeface="Times New Roman" pitchFamily="18" charset="0"/>
-              </a:rPr>
-              <a:t>LISTENNING</a:t>
+              <a:t>THANKS FOR LISTENNING</a:t>
             </a:r>
             <a:endParaRPr lang="en-US" sz="4500" dirty="0">
               <a:latin typeface="Times New Roman" pitchFamily="18" charset="0"/>
@@ -6469,7 +6485,7 @@
         </p:spPr>
         <p:txBody>
           <a:bodyPr>
-            <a:normAutofit fontScale="90000"/>
+            <a:normAutofit/>
           </a:bodyPr>
           <a:lstStyle/>
           <a:p>
@@ -6478,7 +6494,21 @@
                 <a:latin typeface="Times New Roman" pitchFamily="18" charset="0"/>
                 <a:cs typeface="Times New Roman" pitchFamily="18" charset="0"/>
               </a:rPr>
-              <a:t>KHÁI QUÁT VỀ QUÁ TRÌNH THỰC TẬP</a:t>
+              <a:t>KHÁI QUÁT </a:t>
+            </a:r>
+            <a:r>
+              <a:rPr lang="en-US" sz="4000" dirty="0" smtClean="0">
+                <a:latin typeface="Times New Roman" pitchFamily="18" charset="0"/>
+                <a:cs typeface="Times New Roman" pitchFamily="18" charset="0"/>
+              </a:rPr>
+              <a:t>QUÁ </a:t>
+            </a:r>
+            <a:r>
+              <a:rPr lang="en-US" sz="4000" dirty="0" smtClean="0">
+                <a:latin typeface="Times New Roman" pitchFamily="18" charset="0"/>
+                <a:cs typeface="Times New Roman" pitchFamily="18" charset="0"/>
+              </a:rPr>
+              <a:t>TRÌNH THỰC TẬP</a:t>
             </a:r>
             <a:endParaRPr lang="en-US" sz="4000" dirty="0">
               <a:latin typeface="Times New Roman" pitchFamily="18" charset="0"/>
@@ -7269,7 +7299,7 @@
         </p:nvSpPr>
         <p:spPr>
           <a:xfrm>
-            <a:off x="228600" y="2286000"/>
+            <a:off x="228600" y="1752600"/>
             <a:ext cx="4583723" cy="4114800"/>
           </a:xfrm>
         </p:spPr>
@@ -7407,7 +7437,21 @@
                 <a:latin typeface="Times New Roman" pitchFamily="18" charset="0"/>
                 <a:cs typeface="Times New Roman" pitchFamily="18" charset="0"/>
               </a:rPr>
-              <a:t>vào danh sách Top 100 nhà cung cấp dịch vụ outsourcing toàn cầu và trở thành công ty Việt Nam có môi trường làm việc tốt nhất trong ngàng IT</a:t>
+              <a:t>vào danh sách </a:t>
+            </a:r>
+            <a:r>
+              <a:rPr lang="vi-VN" sz="2000" dirty="0" smtClean="0">
+                <a:latin typeface="Times New Roman" pitchFamily="18" charset="0"/>
+                <a:cs typeface="Times New Roman" pitchFamily="18" charset="0"/>
+              </a:rPr>
+              <a:t>top </a:t>
+            </a:r>
+            <a:r>
+              <a:rPr lang="vi-VN" sz="2000" dirty="0">
+                <a:latin typeface="Times New Roman" pitchFamily="18" charset="0"/>
+                <a:cs typeface="Times New Roman" pitchFamily="18" charset="0"/>
+              </a:rPr>
+              <a:t>100 nhà cung cấp dịch vụ outsourcing toàn cầu và trở thành công ty Việt Nam có môi trường làm việc tốt nhất trong ngàng IT</a:t>
             </a:r>
             <a:endParaRPr lang="en-US" sz="2000" dirty="0">
               <a:latin typeface="Times New Roman" pitchFamily="18" charset="0"/>
@@ -7438,7 +7482,7 @@
         </p:blipFill>
         <p:spPr>
           <a:xfrm>
-            <a:off x="4800600" y="2438400"/>
+            <a:off x="4800600" y="2133600"/>
             <a:ext cx="4189140" cy="3276600"/>
           </a:xfrm>
           <a:prstGeom prst="rect">
@@ -7531,8 +7575,8 @@
         </p:blipFill>
         <p:spPr>
           <a:xfrm>
-            <a:off x="468923" y="1600200"/>
-            <a:ext cx="8229600" cy="4648200"/>
+            <a:off x="468923" y="1524000"/>
+            <a:ext cx="8229600" cy="4876800"/>
           </a:xfrm>
           <a:prstGeom prst="rect">
             <a:avLst/>
@@ -7628,8 +7672,8 @@
         </p:nvSpPr>
         <p:spPr>
           <a:xfrm>
-            <a:off x="357554" y="2895600"/>
-            <a:ext cx="4062046" cy="3352800"/>
+            <a:off x="357554" y="2438400"/>
+            <a:ext cx="4062046" cy="3962400"/>
           </a:xfrm>
         </p:spPr>
         <p:txBody>
@@ -7638,9 +7682,7 @@
           </a:bodyPr>
           <a:lstStyle/>
           <a:p>
-            <a:pPr marL="36576" indent="0" algn="just">
-              <a:buNone/>
-            </a:pPr>
+            <a:pPr algn="just"/>
             <a:r>
               <a:rPr lang="en-US" sz="2000" dirty="0" smtClean="0">
                 <a:latin typeface="Times New Roman" pitchFamily="18" charset="0"/>
@@ -7653,34 +7695,43 @@
                 <a:latin typeface="Times New Roman" pitchFamily="18" charset="0"/>
                 <a:cs typeface="Times New Roman" pitchFamily="18" charset="0"/>
               </a:rPr>
-              <a:t>là công ty chuyên về xuất khẩu và gia công phần mềm. Ngoài ra FSOFT còn cung cấp các dịch vụ phát triển phần mềm, bảo trì, quản lý chất lượng, triển khai dịch vụ công nghệ về nâng cấp ứng dụng, hệ thống nhúng và tự động, điện toán đám mây,… trong nhiều lĩnh vực như y tế, ngân </a:t>
+              <a:t>là công ty chuyên về xuất khẩu và gia công phần mềm</a:t>
             </a:r>
             <a:r>
               <a:rPr lang="vi-VN" sz="2000" dirty="0" smtClean="0">
                 <a:latin typeface="Times New Roman" pitchFamily="18" charset="0"/>
                 <a:cs typeface="Times New Roman" pitchFamily="18" charset="0"/>
               </a:rPr>
-              <a:t>hàng.</a:t>
+              <a:t>.</a:t>
+            </a:r>
+          </a:p>
+          <a:p>
+            <a:pPr algn="just"/>
+            <a:r>
+              <a:rPr lang="vi-VN" sz="2000" dirty="0" smtClean="0">
+                <a:latin typeface="Times New Roman" pitchFamily="18" charset="0"/>
+                <a:cs typeface="Times New Roman" pitchFamily="18" charset="0"/>
+              </a:rPr>
+              <a:t>Ngoài </a:t>
+            </a:r>
+            <a:r>
+              <a:rPr lang="vi-VN" sz="2000" dirty="0">
+                <a:latin typeface="Times New Roman" pitchFamily="18" charset="0"/>
+                <a:cs typeface="Times New Roman" pitchFamily="18" charset="0"/>
+              </a:rPr>
+              <a:t>ra FSOFT còn cung cấp các dịch vụ phát triển phần mềm, bảo trì, quản lý chất lượng, triển khai dịch vụ công nghệ về nâng cấp ứng dụng, hệ thống nhúng và tự động, điện toán đám mây,… trong nhiều lĩnh vực như y tế, ngân </a:t>
+            </a:r>
+            <a:r>
+              <a:rPr lang="vi-VN" sz="2000" dirty="0" smtClean="0">
+                <a:latin typeface="Times New Roman" pitchFamily="18" charset="0"/>
+                <a:cs typeface="Times New Roman" pitchFamily="18" charset="0"/>
+              </a:rPr>
+              <a:t>hàng,...</a:t>
             </a:r>
             <a:endParaRPr lang="en-US" sz="2000" dirty="0" smtClean="0">
               <a:latin typeface="Times New Roman" pitchFamily="18" charset="0"/>
               <a:cs typeface="Times New Roman" pitchFamily="18" charset="0"/>
             </a:endParaRPr>
-          </a:p>
-          <a:p>
-            <a:pPr marL="36576" indent="0">
-              <a:buNone/>
-            </a:pPr>
-            <a:r>
-              <a:rPr lang="en-US" sz="2000" dirty="0">
-                <a:solidFill>
-                  <a:srgbClr val="00B0F0"/>
-                </a:solidFill>
-                <a:latin typeface="Times New Roman" pitchFamily="18" charset="0"/>
-                <a:cs typeface="Times New Roman" pitchFamily="18" charset="0"/>
-              </a:rPr>
-              <a:t>	</a:t>
-            </a:r>
           </a:p>
         </p:txBody>
       </p:sp>
@@ -7692,7 +7743,7 @@
         </p:nvSpPr>
         <p:spPr>
           <a:xfrm>
-            <a:off x="762000" y="2261791"/>
+            <a:off x="762000" y="1905000"/>
             <a:ext cx="3429000" cy="400110"/>
           </a:xfrm>
           <a:prstGeom prst="rect">
@@ -7841,8 +7892,8 @@
         </p:blipFill>
         <p:spPr bwMode="auto">
           <a:xfrm>
-            <a:off x="4876800" y="2661901"/>
-            <a:ext cx="3810000" cy="2857500"/>
+            <a:off x="4571999" y="2433300"/>
+            <a:ext cx="4273999" cy="3205499"/>
           </a:xfrm>
           <a:prstGeom prst="rect">
             <a:avLst/>
@@ -7944,7 +7995,7 @@
         </p:nvSpPr>
         <p:spPr>
           <a:xfrm>
-            <a:off x="838200" y="2209800"/>
+            <a:off x="838200" y="1885890"/>
             <a:ext cx="2895600" cy="400110"/>
           </a:xfrm>
           <a:prstGeom prst="rect">
@@ -8050,8 +8101,8 @@
         </p:nvSpPr>
         <p:spPr>
           <a:xfrm>
-            <a:off x="533400" y="2819400"/>
-            <a:ext cx="4167554" cy="3486090"/>
+            <a:off x="533399" y="2362200"/>
+            <a:ext cx="4343399" cy="3810000"/>
           </a:xfrm>
           <a:prstGeom prst="rect">
             <a:avLst/>
@@ -8232,15 +8283,20 @@
             </a:lvl9pPr>
           </a:lstStyle>
           <a:p>
-            <a:pPr marL="36576" indent="0" algn="just">
-              <a:buNone/>
-            </a:pPr>
+            <a:pPr algn="just"/>
+            <a:r>
+              <a:rPr lang="vi-VN" sz="2000" dirty="0" smtClean="0">
+                <a:latin typeface="Times New Roman" pitchFamily="18" charset="0"/>
+                <a:cs typeface="Times New Roman" pitchFamily="18" charset="0"/>
+              </a:rPr>
+              <a:t>Fsoft là </a:t>
+            </a:r>
             <a:r>
               <a:rPr lang="vi-VN" sz="2000" dirty="0">
                 <a:latin typeface="Times New Roman" pitchFamily="18" charset="0"/>
                 <a:cs typeface="Times New Roman" pitchFamily="18" charset="0"/>
               </a:rPr>
-              <a:t>Fsoft là công ty có môi trường làm việc chuyên nghiệp, năng </a:t>
+              <a:t>công ty có môi trường làm việc chuyên nghiệp, năng </a:t>
             </a:r>
             <a:r>
               <a:rPr lang="vi-VN" sz="2000" dirty="0" smtClean="0">
@@ -8282,21 +8338,24 @@
                 <a:latin typeface="Times New Roman" pitchFamily="18" charset="0"/>
                 <a:cs typeface="Times New Roman" pitchFamily="18" charset="0"/>
               </a:rPr>
-              <a:t> Ở</a:t>
-            </a:r>
+              <a:t> </a:t>
+            </a:r>
+          </a:p>
+          <a:p>
+            <a:pPr algn="just"/>
             <a:r>
               <a:rPr lang="vi-VN" sz="2000" dirty="0" smtClean="0">
                 <a:latin typeface="Times New Roman" pitchFamily="18" charset="0"/>
                 <a:cs typeface="Times New Roman" pitchFamily="18" charset="0"/>
               </a:rPr>
-              <a:t> </a:t>
+              <a:t>Mọi người ở đây đều vô </a:t>
             </a:r>
             <a:r>
               <a:rPr lang="vi-VN" sz="2000" dirty="0">
                 <a:latin typeface="Times New Roman" pitchFamily="18" charset="0"/>
                 <a:cs typeface="Times New Roman" pitchFamily="18" charset="0"/>
               </a:rPr>
-              <a:t>nơi đây mọi người cũng vô cùng nhiệt tình, thân thiện với các đồng nghiệp, giúp đỡ lẫn nhau trong công </a:t>
+              <a:t>cùng nhiệt tình, thân thiện với các đồng nghiệp, giúp đỡ lẫn nhau trong công </a:t>
             </a:r>
             <a:r>
               <a:rPr lang="vi-VN" sz="2000" dirty="0" smtClean="0">
@@ -8314,15 +8373,20 @@
             </a:r>
           </a:p>
           <a:p>
-            <a:pPr marL="36576" indent="0" algn="just">
-              <a:buNone/>
-            </a:pPr>
+            <a:pPr algn="just"/>
+            <a:r>
+              <a:rPr lang="vi-VN" sz="2000" dirty="0" smtClean="0">
+                <a:latin typeface="Times New Roman" pitchFamily="18" charset="0"/>
+                <a:cs typeface="Times New Roman" pitchFamily="18" charset="0"/>
+              </a:rPr>
+              <a:t>Có các </a:t>
+            </a:r>
             <a:r>
               <a:rPr lang="vi-VN" sz="2000" dirty="0">
                 <a:latin typeface="Times New Roman" pitchFamily="18" charset="0"/>
                 <a:cs typeface="Times New Roman" pitchFamily="18" charset="0"/>
               </a:rPr>
-              <a:t>Các hoạt động văn hóa xã hội như thể thao</a:t>
+              <a:t>hoạt động văn hóa xã hội như thể thao</a:t>
             </a:r>
             <a:r>
               <a:rPr lang="vi-VN" sz="2000" dirty="0" smtClean="0">
@@ -8402,18 +8466,6 @@
               <a:t>.</a:t>
             </a:r>
             <a:endParaRPr lang="en-US" sz="2000" dirty="0" smtClean="0">
-              <a:latin typeface="Times New Roman" pitchFamily="18" charset="0"/>
-              <a:cs typeface="Times New Roman" pitchFamily="18" charset="0"/>
-            </a:endParaRPr>
-          </a:p>
-          <a:p>
-            <a:pPr marL="36576" indent="0" algn="just">
-              <a:buNone/>
-            </a:pPr>
-            <a:endParaRPr lang="en-US" sz="2000" dirty="0">
-              <a:solidFill>
-                <a:srgbClr val="00B0F0"/>
-              </a:solidFill>
               <a:latin typeface="Times New Roman" pitchFamily="18" charset="0"/>
               <a:cs typeface="Times New Roman" pitchFamily="18" charset="0"/>
             </a:endParaRPr>
@@ -8443,8 +8495,8 @@
         </p:blipFill>
         <p:spPr bwMode="auto">
           <a:xfrm>
-            <a:off x="4888522" y="2971800"/>
-            <a:ext cx="3898171" cy="2819400"/>
+            <a:off x="4876799" y="2514600"/>
+            <a:ext cx="3977105" cy="2876490"/>
           </a:xfrm>
           <a:prstGeom prst="rect">
             <a:avLst/>
@@ -8961,136 +9013,220 @@
                 <a:latin typeface="Times New Roman" pitchFamily="18" charset="0"/>
                 <a:cs typeface="Times New Roman" pitchFamily="18" charset="0"/>
               </a:rPr>
-              <a:t>Trau </a:t>
+              <a:t>Trau dồi</a:t>
+            </a:r>
+            <a:r>
+              <a:rPr lang="en-US" sz="2400" dirty="0" smtClean="0">
+                <a:latin typeface="Times New Roman" pitchFamily="18" charset="0"/>
+                <a:cs typeface="Times New Roman" pitchFamily="18" charset="0"/>
+              </a:rPr>
+              <a:t> </a:t>
+            </a:r>
+            <a:r>
+              <a:rPr lang="en-US" sz="2400" dirty="0" err="1" smtClean="0">
+                <a:latin typeface="Times New Roman" pitchFamily="18" charset="0"/>
+                <a:cs typeface="Times New Roman" pitchFamily="18" charset="0"/>
+              </a:rPr>
+              <a:t>thêm</a:t>
+            </a:r>
+            <a:r>
+              <a:rPr lang="en-US" sz="2400" dirty="0" smtClean="0">
+                <a:latin typeface="Times New Roman" pitchFamily="18" charset="0"/>
+                <a:cs typeface="Times New Roman" pitchFamily="18" charset="0"/>
+              </a:rPr>
+              <a:t> </a:t>
+            </a:r>
+            <a:r>
+              <a:rPr lang="en-US" sz="2400" dirty="0" err="1" smtClean="0">
+                <a:latin typeface="Times New Roman" pitchFamily="18" charset="0"/>
+                <a:cs typeface="Times New Roman" pitchFamily="18" charset="0"/>
+              </a:rPr>
+              <a:t>những</a:t>
+            </a:r>
+            <a:r>
+              <a:rPr lang="en-US" sz="2400" dirty="0" smtClean="0">
+                <a:latin typeface="Times New Roman" pitchFamily="18" charset="0"/>
+                <a:cs typeface="Times New Roman" pitchFamily="18" charset="0"/>
+              </a:rPr>
+              <a:t> </a:t>
+            </a:r>
+            <a:r>
+              <a:rPr lang="en-US" sz="2400" dirty="0" err="1" smtClean="0">
+                <a:latin typeface="Times New Roman" pitchFamily="18" charset="0"/>
+                <a:cs typeface="Times New Roman" pitchFamily="18" charset="0"/>
+              </a:rPr>
+              <a:t>kỹ</a:t>
+            </a:r>
+            <a:r>
+              <a:rPr lang="en-US" sz="2400" dirty="0" smtClean="0">
+                <a:latin typeface="Times New Roman" pitchFamily="18" charset="0"/>
+                <a:cs typeface="Times New Roman" pitchFamily="18" charset="0"/>
+              </a:rPr>
+              <a:t> </a:t>
+            </a:r>
+            <a:r>
+              <a:rPr lang="en-US" sz="2400" dirty="0" err="1" smtClean="0">
+                <a:latin typeface="Times New Roman" pitchFamily="18" charset="0"/>
+                <a:cs typeface="Times New Roman" pitchFamily="18" charset="0"/>
+              </a:rPr>
+              <a:t>năng</a:t>
+            </a:r>
+            <a:r>
+              <a:rPr lang="en-US" sz="2400" dirty="0" smtClean="0">
+                <a:latin typeface="Times New Roman" pitchFamily="18" charset="0"/>
+                <a:cs typeface="Times New Roman" pitchFamily="18" charset="0"/>
+              </a:rPr>
+              <a:t>: </a:t>
+            </a:r>
+            <a:r>
+              <a:rPr lang="en-US" sz="2400" dirty="0" err="1" smtClean="0">
+                <a:latin typeface="Times New Roman" pitchFamily="18" charset="0"/>
+                <a:cs typeface="Times New Roman" pitchFamily="18" charset="0"/>
+              </a:rPr>
+              <a:t>giao</a:t>
+            </a:r>
+            <a:r>
+              <a:rPr lang="en-US" sz="2400" dirty="0" smtClean="0">
+                <a:latin typeface="Times New Roman" pitchFamily="18" charset="0"/>
+                <a:cs typeface="Times New Roman" pitchFamily="18" charset="0"/>
+              </a:rPr>
+              <a:t> </a:t>
+            </a:r>
+            <a:r>
+              <a:rPr lang="en-US" sz="2400" dirty="0" err="1" smtClean="0">
+                <a:latin typeface="Times New Roman" pitchFamily="18" charset="0"/>
+                <a:cs typeface="Times New Roman" pitchFamily="18" charset="0"/>
+              </a:rPr>
+              <a:t>tiếp</a:t>
+            </a:r>
+            <a:r>
+              <a:rPr lang="en-US" sz="2400" dirty="0" smtClean="0">
+                <a:latin typeface="Times New Roman" pitchFamily="18" charset="0"/>
+                <a:cs typeface="Times New Roman" pitchFamily="18" charset="0"/>
+              </a:rPr>
+              <a:t> , </a:t>
+            </a:r>
+            <a:r>
+              <a:rPr lang="en-US" sz="2400" dirty="0" err="1" smtClean="0">
+                <a:latin typeface="Times New Roman" pitchFamily="18" charset="0"/>
+                <a:cs typeface="Times New Roman" pitchFamily="18" charset="0"/>
+              </a:rPr>
+              <a:t>cách</a:t>
+            </a:r>
+            <a:r>
+              <a:rPr lang="en-US" sz="2400" dirty="0" smtClean="0">
+                <a:latin typeface="Times New Roman" pitchFamily="18" charset="0"/>
+                <a:cs typeface="Times New Roman" pitchFamily="18" charset="0"/>
+              </a:rPr>
+              <a:t> </a:t>
+            </a:r>
+            <a:r>
+              <a:rPr lang="en-US" sz="2400" dirty="0" err="1" smtClean="0">
+                <a:latin typeface="Times New Roman" pitchFamily="18" charset="0"/>
+                <a:cs typeface="Times New Roman" pitchFamily="18" charset="0"/>
+              </a:rPr>
+              <a:t>làm</a:t>
+            </a:r>
+            <a:r>
+              <a:rPr lang="en-US" sz="2400" dirty="0" smtClean="0">
+                <a:latin typeface="Times New Roman" pitchFamily="18" charset="0"/>
+                <a:cs typeface="Times New Roman" pitchFamily="18" charset="0"/>
+              </a:rPr>
+              <a:t> </a:t>
+            </a:r>
+            <a:r>
+              <a:rPr lang="en-US" sz="2400" dirty="0" err="1" smtClean="0">
+                <a:latin typeface="Times New Roman" pitchFamily="18" charset="0"/>
+                <a:cs typeface="Times New Roman" pitchFamily="18" charset="0"/>
+              </a:rPr>
+              <a:t>việc</a:t>
+            </a:r>
+            <a:r>
+              <a:rPr lang="en-US" sz="2400" dirty="0" smtClean="0">
+                <a:latin typeface="Times New Roman" pitchFamily="18" charset="0"/>
+                <a:cs typeface="Times New Roman" pitchFamily="18" charset="0"/>
+              </a:rPr>
+              <a:t> </a:t>
+            </a:r>
+            <a:r>
+              <a:rPr lang="en-US" sz="2400" dirty="0" err="1" smtClean="0">
+                <a:latin typeface="Times New Roman" pitchFamily="18" charset="0"/>
+                <a:cs typeface="Times New Roman" pitchFamily="18" charset="0"/>
+              </a:rPr>
+              <a:t>nhóm</a:t>
+            </a:r>
+            <a:r>
+              <a:rPr lang="en-US" sz="2400" dirty="0" smtClean="0">
+                <a:latin typeface="Times New Roman" pitchFamily="18" charset="0"/>
+                <a:cs typeface="Times New Roman" pitchFamily="18" charset="0"/>
+              </a:rPr>
+              <a:t>… , </a:t>
+            </a:r>
+            <a:r>
+              <a:rPr lang="en-US" sz="2400" dirty="0" err="1" smtClean="0">
+                <a:latin typeface="Times New Roman" pitchFamily="18" charset="0"/>
+                <a:cs typeface="Times New Roman" pitchFamily="18" charset="0"/>
+              </a:rPr>
+              <a:t>nâng</a:t>
+            </a:r>
+            <a:r>
+              <a:rPr lang="en-US" sz="2400" dirty="0" smtClean="0">
+                <a:latin typeface="Times New Roman" pitchFamily="18" charset="0"/>
+                <a:cs typeface="Times New Roman" pitchFamily="18" charset="0"/>
+              </a:rPr>
+              <a:t> </a:t>
+            </a:r>
+            <a:r>
+              <a:rPr lang="en-US" sz="2400" dirty="0" err="1" smtClean="0">
+                <a:latin typeface="Times New Roman" pitchFamily="18" charset="0"/>
+                <a:cs typeface="Times New Roman" pitchFamily="18" charset="0"/>
+              </a:rPr>
+              <a:t>cao</a:t>
             </a:r>
             <a:r>
               <a:rPr lang="vi-VN" sz="2400" dirty="0" smtClean="0">
                 <a:latin typeface="Times New Roman" pitchFamily="18" charset="0"/>
                 <a:cs typeface="Times New Roman" pitchFamily="18" charset="0"/>
               </a:rPr>
-              <a:t>dồi</a:t>
-            </a:r>
-            <a:r>
-              <a:rPr lang="en-US" sz="2400" dirty="0" smtClean="0">
-                <a:latin typeface="Times New Roman" pitchFamily="18" charset="0"/>
-                <a:cs typeface="Times New Roman" pitchFamily="18" charset="0"/>
-              </a:rPr>
-              <a:t> </a:t>
-            </a:r>
-            <a:r>
-              <a:rPr lang="en-US" sz="2400" dirty="0" err="1" smtClean="0">
-                <a:latin typeface="Times New Roman" pitchFamily="18" charset="0"/>
-                <a:cs typeface="Times New Roman" pitchFamily="18" charset="0"/>
-              </a:rPr>
-              <a:t>thêm</a:t>
-            </a:r>
-            <a:r>
-              <a:rPr lang="en-US" sz="2400" dirty="0" smtClean="0">
-                <a:latin typeface="Times New Roman" pitchFamily="18" charset="0"/>
-                <a:cs typeface="Times New Roman" pitchFamily="18" charset="0"/>
-              </a:rPr>
-              <a:t> </a:t>
-            </a:r>
-            <a:r>
-              <a:rPr lang="en-US" sz="2400" dirty="0" err="1" smtClean="0">
-                <a:latin typeface="Times New Roman" pitchFamily="18" charset="0"/>
-                <a:cs typeface="Times New Roman" pitchFamily="18" charset="0"/>
-              </a:rPr>
-              <a:t>những</a:t>
-            </a:r>
-            <a:r>
-              <a:rPr lang="en-US" sz="2400" dirty="0" smtClean="0">
-                <a:latin typeface="Times New Roman" pitchFamily="18" charset="0"/>
-                <a:cs typeface="Times New Roman" pitchFamily="18" charset="0"/>
-              </a:rPr>
-              <a:t> </a:t>
-            </a:r>
-            <a:r>
-              <a:rPr lang="en-US" sz="2400" dirty="0" err="1" smtClean="0">
-                <a:latin typeface="Times New Roman" pitchFamily="18" charset="0"/>
-                <a:cs typeface="Times New Roman" pitchFamily="18" charset="0"/>
-              </a:rPr>
-              <a:t>kỹ</a:t>
-            </a:r>
-            <a:r>
-              <a:rPr lang="en-US" sz="2400" dirty="0" smtClean="0">
-                <a:latin typeface="Times New Roman" pitchFamily="18" charset="0"/>
-                <a:cs typeface="Times New Roman" pitchFamily="18" charset="0"/>
-              </a:rPr>
-              <a:t> </a:t>
-            </a:r>
-            <a:r>
-              <a:rPr lang="en-US" sz="2400" dirty="0" err="1" smtClean="0">
-                <a:latin typeface="Times New Roman" pitchFamily="18" charset="0"/>
-                <a:cs typeface="Times New Roman" pitchFamily="18" charset="0"/>
-              </a:rPr>
-              <a:t>năng</a:t>
-            </a:r>
-            <a:r>
-              <a:rPr lang="en-US" sz="2400" dirty="0" smtClean="0">
-                <a:latin typeface="Times New Roman" pitchFamily="18" charset="0"/>
-                <a:cs typeface="Times New Roman" pitchFamily="18" charset="0"/>
-              </a:rPr>
-              <a:t>: </a:t>
-            </a:r>
-            <a:r>
-              <a:rPr lang="en-US" sz="2400" dirty="0" err="1" smtClean="0">
-                <a:latin typeface="Times New Roman" pitchFamily="18" charset="0"/>
-                <a:cs typeface="Times New Roman" pitchFamily="18" charset="0"/>
-              </a:rPr>
-              <a:t>giao</a:t>
-            </a:r>
-            <a:r>
-              <a:rPr lang="en-US" sz="2400" dirty="0" smtClean="0">
-                <a:latin typeface="Times New Roman" pitchFamily="18" charset="0"/>
-                <a:cs typeface="Times New Roman" pitchFamily="18" charset="0"/>
-              </a:rPr>
-              <a:t> </a:t>
-            </a:r>
-            <a:r>
-              <a:rPr lang="en-US" sz="2400" dirty="0" err="1" smtClean="0">
-                <a:latin typeface="Times New Roman" pitchFamily="18" charset="0"/>
-                <a:cs typeface="Times New Roman" pitchFamily="18" charset="0"/>
-              </a:rPr>
-              <a:t>tiếp</a:t>
-            </a:r>
-            <a:r>
-              <a:rPr lang="en-US" sz="2400" dirty="0" smtClean="0">
-                <a:latin typeface="Times New Roman" pitchFamily="18" charset="0"/>
-                <a:cs typeface="Times New Roman" pitchFamily="18" charset="0"/>
-              </a:rPr>
-              <a:t> , </a:t>
-            </a:r>
-            <a:r>
-              <a:rPr lang="en-US" sz="2400" dirty="0" err="1" smtClean="0">
-                <a:latin typeface="Times New Roman" pitchFamily="18" charset="0"/>
-                <a:cs typeface="Times New Roman" pitchFamily="18" charset="0"/>
-              </a:rPr>
-              <a:t>cách</a:t>
-            </a:r>
-            <a:r>
-              <a:rPr lang="en-US" sz="2400" dirty="0" smtClean="0">
-                <a:latin typeface="Times New Roman" pitchFamily="18" charset="0"/>
-                <a:cs typeface="Times New Roman" pitchFamily="18" charset="0"/>
-              </a:rPr>
-              <a:t> </a:t>
-            </a:r>
-            <a:r>
-              <a:rPr lang="en-US" sz="2400" dirty="0" err="1" smtClean="0">
-                <a:latin typeface="Times New Roman" pitchFamily="18" charset="0"/>
-                <a:cs typeface="Times New Roman" pitchFamily="18" charset="0"/>
-              </a:rPr>
-              <a:t>làm</a:t>
-            </a:r>
-            <a:r>
-              <a:rPr lang="en-US" sz="2400" dirty="0" smtClean="0">
-                <a:latin typeface="Times New Roman" pitchFamily="18" charset="0"/>
-                <a:cs typeface="Times New Roman" pitchFamily="18" charset="0"/>
-              </a:rPr>
-              <a:t> </a:t>
-            </a:r>
-            <a:r>
-              <a:rPr lang="en-US" sz="2400" dirty="0" err="1" smtClean="0">
+              <a:t> </a:t>
+            </a:r>
+            <a:r>
+              <a:rPr lang="vi-VN" sz="2400" dirty="0">
+                <a:latin typeface="Times New Roman" pitchFamily="18" charset="0"/>
+                <a:cs typeface="Times New Roman" pitchFamily="18" charset="0"/>
+              </a:rPr>
+              <a:t>kiến thức chuyên </a:t>
+            </a:r>
+            <a:r>
+              <a:rPr lang="vi-VN" sz="2400" dirty="0" smtClean="0">
+                <a:latin typeface="Times New Roman" pitchFamily="18" charset="0"/>
+                <a:cs typeface="Times New Roman" pitchFamily="18" charset="0"/>
+              </a:rPr>
+              <a:t>môn</a:t>
+            </a:r>
+            <a:r>
+              <a:rPr lang="en-US" sz="2400" dirty="0" smtClean="0">
+                <a:latin typeface="Times New Roman" pitchFamily="18" charset="0"/>
+                <a:cs typeface="Times New Roman" pitchFamily="18" charset="0"/>
+              </a:rPr>
+              <a:t> </a:t>
+            </a:r>
+            <a:r>
+              <a:rPr lang="vi-VN" sz="2400" dirty="0" smtClean="0">
+                <a:latin typeface="Times New Roman" pitchFamily="18" charset="0"/>
+                <a:cs typeface="Times New Roman" pitchFamily="18" charset="0"/>
+              </a:rPr>
+              <a:t>và </a:t>
+            </a:r>
+            <a:r>
+              <a:rPr lang="vi-VN" sz="2400" dirty="0">
+                <a:latin typeface="Times New Roman" pitchFamily="18" charset="0"/>
+                <a:cs typeface="Times New Roman" pitchFamily="18" charset="0"/>
+              </a:rPr>
+              <a:t>trải nghiệm về môi trường làm </a:t>
+            </a:r>
+            <a:r>
+              <a:rPr lang="vi-VN" sz="2400" dirty="0" smtClean="0">
                 <a:latin typeface="Times New Roman" pitchFamily="18" charset="0"/>
                 <a:cs typeface="Times New Roman" pitchFamily="18" charset="0"/>
               </a:rPr>
@@ -9101,99 +9237,12 @@
                 <a:latin typeface="Times New Roman" pitchFamily="18" charset="0"/>
                 <a:cs typeface="Times New Roman" pitchFamily="18" charset="0"/>
               </a:rPr>
-              <a:t> </a:t>
-            </a:r>
-            <a:r>
-              <a:rPr lang="en-US" sz="2400" dirty="0" err="1" smtClean="0">
-                <a:latin typeface="Times New Roman" pitchFamily="18" charset="0"/>
-                <a:cs typeface="Times New Roman" pitchFamily="18" charset="0"/>
-              </a:rPr>
-              <a:t>nhóm</a:t>
-            </a:r>
-            <a:r>
-              <a:rPr lang="en-US" sz="2400" dirty="0" smtClean="0">
-                <a:latin typeface="Times New Roman" pitchFamily="18" charset="0"/>
-                <a:cs typeface="Times New Roman" pitchFamily="18" charset="0"/>
-              </a:rPr>
-              <a:t>… , </a:t>
-            </a:r>
-            <a:r>
-              <a:rPr lang="en-US" sz="2400" dirty="0" err="1" smtClean="0">
-                <a:latin typeface="Times New Roman" pitchFamily="18" charset="0"/>
-                <a:cs typeface="Times New Roman" pitchFamily="18" charset="0"/>
-              </a:rPr>
-              <a:t>nâng</a:t>
-            </a:r>
-            <a:r>
-              <a:rPr lang="en-US" sz="2400" dirty="0" smtClean="0">
-                <a:latin typeface="Times New Roman" pitchFamily="18" charset="0"/>
-                <a:cs typeface="Times New Roman" pitchFamily="18" charset="0"/>
-              </a:rPr>
-              <a:t> </a:t>
-            </a:r>
-            <a:r>
-              <a:rPr lang="en-US" sz="2400" dirty="0" err="1" smtClean="0">
-                <a:latin typeface="Times New Roman" pitchFamily="18" charset="0"/>
-                <a:cs typeface="Times New Roman" pitchFamily="18" charset="0"/>
-              </a:rPr>
-              <a:t>cao</a:t>
-            </a:r>
-            <a:r>
-              <a:rPr lang="vi-VN" sz="2400" dirty="0" smtClean="0">
-                <a:latin typeface="Times New Roman" pitchFamily="18" charset="0"/>
-                <a:cs typeface="Times New Roman" pitchFamily="18" charset="0"/>
-              </a:rPr>
-              <a:t> </a:t>
-            </a:r>
-            <a:r>
-              <a:rPr lang="vi-VN" sz="2400" dirty="0">
-                <a:latin typeface="Times New Roman" pitchFamily="18" charset="0"/>
-                <a:cs typeface="Times New Roman" pitchFamily="18" charset="0"/>
-              </a:rPr>
-              <a:t>kiến thức chuyên </a:t>
-            </a:r>
-            <a:r>
-              <a:rPr lang="vi-VN" sz="2400" dirty="0" smtClean="0">
-                <a:latin typeface="Times New Roman" pitchFamily="18" charset="0"/>
-                <a:cs typeface="Times New Roman" pitchFamily="18" charset="0"/>
-              </a:rPr>
-              <a:t>môn</a:t>
-            </a:r>
-            <a:r>
-              <a:rPr lang="en-US" sz="2400" dirty="0" smtClean="0">
-                <a:latin typeface="Times New Roman" pitchFamily="18" charset="0"/>
-                <a:cs typeface="Times New Roman" pitchFamily="18" charset="0"/>
-              </a:rPr>
-              <a:t> </a:t>
-            </a:r>
-            <a:r>
-              <a:rPr lang="vi-VN" sz="2400" dirty="0" smtClean="0">
-                <a:latin typeface="Times New Roman" pitchFamily="18" charset="0"/>
-                <a:cs typeface="Times New Roman" pitchFamily="18" charset="0"/>
-              </a:rPr>
-              <a:t>và </a:t>
-            </a:r>
-            <a:r>
-              <a:rPr lang="vi-VN" sz="2400" dirty="0">
-                <a:latin typeface="Times New Roman" pitchFamily="18" charset="0"/>
-                <a:cs typeface="Times New Roman" pitchFamily="18" charset="0"/>
-              </a:rPr>
-              <a:t>trải nghiệm về môi trường làm việc rất năng động và chuyên </a:t>
-            </a:r>
-            <a:r>
-              <a:rPr lang="vi-VN" sz="2400" dirty="0" smtClean="0">
-                <a:latin typeface="Times New Roman" pitchFamily="18" charset="0"/>
-                <a:cs typeface="Times New Roman" pitchFamily="18" charset="0"/>
-              </a:rPr>
-              <a:t>nghiệp</a:t>
-            </a:r>
-            <a:r>
-              <a:rPr lang="en-US" sz="2400" dirty="0" smtClean="0">
-                <a:latin typeface="Times New Roman" pitchFamily="18" charset="0"/>
-                <a:cs typeface="Times New Roman" pitchFamily="18" charset="0"/>
-              </a:rPr>
               <a:t>.</a:t>
             </a:r>
+            <a:endParaRPr lang="en-US" sz="2400" dirty="0" smtClean="0">
+              <a:latin typeface="Times New Roman" pitchFamily="18" charset="0"/>
+              <a:cs typeface="Times New Roman" pitchFamily="18" charset="0"/>
+            </a:endParaRPr>
           </a:p>
           <a:p>
             <a:r>
@@ -9765,7 +9814,7 @@
         </p:spPr>
         <p:txBody>
           <a:bodyPr vert="horz">
-            <a:normAutofit lnSpcReduction="10000"/>
+            <a:normAutofit/>
           </a:bodyPr>
           <a:lstStyle>
             <a:lvl1pPr marL="420624" indent="-384048" algn="l" rtl="0" eaLnBrk="1" latinLnBrk="0" hangingPunct="1">
@@ -9995,11 +10044,18 @@
               <a:t> </a:t>
             </a:r>
             <a:r>
+              <a:rPr lang="en-US" sz="2000" dirty="0" smtClean="0">
+                <a:latin typeface="Times New Roman" pitchFamily="18" charset="0"/>
+                <a:cs typeface="Times New Roman" pitchFamily="18" charset="0"/>
+              </a:rPr>
+              <a:t>training </a:t>
+            </a:r>
+            <a:r>
               <a:rPr lang="en-US" sz="2000" dirty="0" err="1" smtClean="0">
                 <a:latin typeface="Times New Roman" pitchFamily="18" charset="0"/>
                 <a:cs typeface="Times New Roman" pitchFamily="18" charset="0"/>
               </a:rPr>
-              <a:t>khóa</a:t>
+              <a:t>chúng</a:t>
             </a:r>
             <a:r>
               <a:rPr lang="en-US" sz="2000" dirty="0" smtClean="0">
@@ -10013,7 +10069,7 @@
                 <a:latin typeface="Times New Roman" pitchFamily="18" charset="0"/>
                 <a:cs typeface="Times New Roman" pitchFamily="18" charset="0"/>
               </a:rPr>
-              <a:t>học</a:t>
+              <a:t>tôi</a:t>
             </a:r>
             <a:r>
               <a:rPr lang="en-US" sz="2000" dirty="0" smtClean="0">
@@ -10027,7 +10083,7 @@
                 <a:latin typeface="Times New Roman" pitchFamily="18" charset="0"/>
                 <a:cs typeface="Times New Roman" pitchFamily="18" charset="0"/>
               </a:rPr>
-              <a:t>sẽ</a:t>
+              <a:t>được</a:t>
             </a:r>
             <a:r>
               <a:rPr lang="en-US" sz="2000" dirty="0" smtClean="0">
@@ -10041,7 +10097,7 @@
                 <a:latin typeface="Times New Roman" pitchFamily="18" charset="0"/>
                 <a:cs typeface="Times New Roman" pitchFamily="18" charset="0"/>
               </a:rPr>
-              <a:t>có</a:t>
+              <a:t>phỏng</a:t>
             </a:r>
             <a:r>
               <a:rPr lang="en-US" sz="2000" dirty="0" smtClean="0">
@@ -10055,7 +10111,7 @@
                 <a:latin typeface="Times New Roman" pitchFamily="18" charset="0"/>
                 <a:cs typeface="Times New Roman" pitchFamily="18" charset="0"/>
               </a:rPr>
-              <a:t>buổi</a:t>
+              <a:t>vấn</a:t>
             </a:r>
             <a:r>
               <a:rPr lang="en-US" sz="2000" dirty="0" smtClean="0">
@@ -10069,7 +10125,21 @@
                 <a:latin typeface="Times New Roman" pitchFamily="18" charset="0"/>
                 <a:cs typeface="Times New Roman" pitchFamily="18" charset="0"/>
               </a:rPr>
-              <a:t>phỏng</a:t>
+              <a:t>lên</a:t>
+            </a:r>
+            <a:r>
+              <a:rPr lang="en-US" sz="2000" dirty="0">
+                <a:latin typeface="Times New Roman" pitchFamily="18" charset="0"/>
+                <a:cs typeface="Times New Roman" pitchFamily="18" charset="0"/>
+              </a:rPr>
+              <a:t> </a:t>
+            </a:r>
+            <a:r>
+              <a:rPr lang="en-US" sz="2000" dirty="0" err="1" smtClean="0">
+                <a:latin typeface="Times New Roman" pitchFamily="18" charset="0"/>
+                <a:cs typeface="Times New Roman" pitchFamily="18" charset="0"/>
+              </a:rPr>
+              <a:t>đơn</a:t>
             </a:r>
             <a:r>
               <a:rPr lang="en-US" sz="2000" dirty="0" smtClean="0">
@@ -10083,21 +10153,23 @@
                 <a:latin typeface="Times New Roman" pitchFamily="18" charset="0"/>
                 <a:cs typeface="Times New Roman" pitchFamily="18" charset="0"/>
               </a:rPr>
-              <a:t>vấn</a:t>
+              <a:t>vị</a:t>
             </a:r>
             <a:r>
               <a:rPr lang="en-US" sz="2000" dirty="0" smtClean="0">
                 <a:latin typeface="Times New Roman" pitchFamily="18" charset="0"/>
                 <a:cs typeface="Times New Roman" pitchFamily="18" charset="0"/>
               </a:rPr>
-              <a:t> </a:t>
-            </a:r>
+              <a:t> CME.</a:t>
+            </a:r>
+          </a:p>
+          <a:p>
             <a:r>
               <a:rPr lang="en-US" sz="2000" dirty="0" err="1" smtClean="0">
                 <a:latin typeface="Times New Roman" pitchFamily="18" charset="0"/>
                 <a:cs typeface="Times New Roman" pitchFamily="18" charset="0"/>
               </a:rPr>
-              <a:t>lên</a:t>
+              <a:t>Học</a:t>
             </a:r>
             <a:r>
               <a:rPr lang="en-US" sz="2000" dirty="0" smtClean="0">
@@ -10111,6 +10183,232 @@
                 <a:latin typeface="Times New Roman" pitchFamily="18" charset="0"/>
                 <a:cs typeface="Times New Roman" pitchFamily="18" charset="0"/>
               </a:rPr>
+              <a:t>những</a:t>
+            </a:r>
+            <a:r>
+              <a:rPr lang="en-US" sz="2000" dirty="0" smtClean="0">
+                <a:latin typeface="Times New Roman" pitchFamily="18" charset="0"/>
+                <a:cs typeface="Times New Roman" pitchFamily="18" charset="0"/>
+              </a:rPr>
+              <a:t> </a:t>
+            </a:r>
+            <a:r>
+              <a:rPr lang="en-US" sz="2000" dirty="0" err="1" smtClean="0">
+                <a:latin typeface="Times New Roman" pitchFamily="18" charset="0"/>
+                <a:cs typeface="Times New Roman" pitchFamily="18" charset="0"/>
+              </a:rPr>
+              <a:t>kiến</a:t>
+            </a:r>
+            <a:r>
+              <a:rPr lang="en-US" sz="2000" dirty="0" smtClean="0">
+                <a:latin typeface="Times New Roman" pitchFamily="18" charset="0"/>
+                <a:cs typeface="Times New Roman" pitchFamily="18" charset="0"/>
+              </a:rPr>
+              <a:t> </a:t>
+            </a:r>
+            <a:r>
+              <a:rPr lang="en-US" sz="2000" dirty="0" err="1" smtClean="0">
+                <a:latin typeface="Times New Roman" pitchFamily="18" charset="0"/>
+                <a:cs typeface="Times New Roman" pitchFamily="18" charset="0"/>
+              </a:rPr>
+              <a:t>thức</a:t>
+            </a:r>
+            <a:r>
+              <a:rPr lang="en-US" sz="2000" dirty="0" smtClean="0">
+                <a:latin typeface="Times New Roman" pitchFamily="18" charset="0"/>
+                <a:cs typeface="Times New Roman" pitchFamily="18" charset="0"/>
+              </a:rPr>
+              <a:t> </a:t>
+            </a:r>
+            <a:r>
+              <a:rPr lang="en-US" sz="2000" dirty="0" err="1" smtClean="0">
+                <a:latin typeface="Times New Roman" pitchFamily="18" charset="0"/>
+                <a:cs typeface="Times New Roman" pitchFamily="18" charset="0"/>
+              </a:rPr>
+              <a:t>cần</a:t>
+            </a:r>
+            <a:r>
+              <a:rPr lang="en-US" sz="2000" dirty="0" smtClean="0">
+                <a:latin typeface="Times New Roman" pitchFamily="18" charset="0"/>
+                <a:cs typeface="Times New Roman" pitchFamily="18" charset="0"/>
+              </a:rPr>
+              <a:t> </a:t>
+            </a:r>
+            <a:r>
+              <a:rPr lang="en-US" sz="2000" dirty="0" err="1" smtClean="0">
+                <a:latin typeface="Times New Roman" pitchFamily="18" charset="0"/>
+                <a:cs typeface="Times New Roman" pitchFamily="18" charset="0"/>
+              </a:rPr>
+              <a:t>thiết</a:t>
+            </a:r>
+            <a:r>
+              <a:rPr lang="en-US" sz="2000" dirty="0" smtClean="0">
+                <a:latin typeface="Times New Roman" pitchFamily="18" charset="0"/>
+                <a:cs typeface="Times New Roman" pitchFamily="18" charset="0"/>
+              </a:rPr>
+              <a:t> </a:t>
+            </a:r>
+            <a:r>
+              <a:rPr lang="en-US" sz="2000" dirty="0" err="1" smtClean="0">
+                <a:latin typeface="Times New Roman" pitchFamily="18" charset="0"/>
+                <a:cs typeface="Times New Roman" pitchFamily="18" charset="0"/>
+              </a:rPr>
+              <a:t>trong</a:t>
+            </a:r>
+            <a:r>
+              <a:rPr lang="en-US" sz="2000" dirty="0" smtClean="0">
+                <a:latin typeface="Times New Roman" pitchFamily="18" charset="0"/>
+                <a:cs typeface="Times New Roman" pitchFamily="18" charset="0"/>
+              </a:rPr>
+              <a:t> 3 </a:t>
+            </a:r>
+            <a:r>
+              <a:rPr lang="en-US" sz="2000" dirty="0" err="1" smtClean="0">
+                <a:latin typeface="Times New Roman" pitchFamily="18" charset="0"/>
+                <a:cs typeface="Times New Roman" pitchFamily="18" charset="0"/>
+              </a:rPr>
+              <a:t>tuần</a:t>
+            </a:r>
+            <a:r>
+              <a:rPr lang="en-US" sz="2000" dirty="0" smtClean="0">
+                <a:latin typeface="Times New Roman" pitchFamily="18" charset="0"/>
+                <a:cs typeface="Times New Roman" pitchFamily="18" charset="0"/>
+              </a:rPr>
+              <a:t> </a:t>
+            </a:r>
+            <a:r>
+              <a:rPr lang="en-US" sz="2000" dirty="0" err="1" smtClean="0">
+                <a:latin typeface="Times New Roman" pitchFamily="18" charset="0"/>
+                <a:cs typeface="Times New Roman" pitchFamily="18" charset="0"/>
+              </a:rPr>
+              <a:t>đầu</a:t>
+            </a:r>
+            <a:r>
+              <a:rPr lang="en-US" sz="2000" dirty="0" smtClean="0">
+                <a:latin typeface="Times New Roman" pitchFamily="18" charset="0"/>
+                <a:cs typeface="Times New Roman" pitchFamily="18" charset="0"/>
+              </a:rPr>
+              <a:t> </a:t>
+            </a:r>
+            <a:r>
+              <a:rPr lang="en-US" sz="2000" dirty="0" err="1" smtClean="0">
+                <a:latin typeface="Times New Roman" pitchFamily="18" charset="0"/>
+                <a:cs typeface="Times New Roman" pitchFamily="18" charset="0"/>
+              </a:rPr>
+              <a:t>để</a:t>
+            </a:r>
+            <a:r>
+              <a:rPr lang="en-US" sz="2000" dirty="0" smtClean="0">
+                <a:latin typeface="Times New Roman" pitchFamily="18" charset="0"/>
+                <a:cs typeface="Times New Roman" pitchFamily="18" charset="0"/>
+              </a:rPr>
+              <a:t> </a:t>
+            </a:r>
+            <a:r>
+              <a:rPr lang="en-US" sz="2000" dirty="0" err="1" smtClean="0">
+                <a:latin typeface="Times New Roman" pitchFamily="18" charset="0"/>
+                <a:cs typeface="Times New Roman" pitchFamily="18" charset="0"/>
+              </a:rPr>
+              <a:t>nắm</a:t>
+            </a:r>
+            <a:r>
+              <a:rPr lang="en-US" sz="2000" dirty="0" smtClean="0">
+                <a:latin typeface="Times New Roman" pitchFamily="18" charset="0"/>
+                <a:cs typeface="Times New Roman" pitchFamily="18" charset="0"/>
+              </a:rPr>
+              <a:t> </a:t>
+            </a:r>
+            <a:r>
+              <a:rPr lang="en-US" sz="2000" dirty="0" err="1" smtClean="0">
+                <a:latin typeface="Times New Roman" pitchFamily="18" charset="0"/>
+                <a:cs typeface="Times New Roman" pitchFamily="18" charset="0"/>
+              </a:rPr>
+              <a:t>rõ</a:t>
+            </a:r>
+            <a:r>
+              <a:rPr lang="en-US" sz="2000" dirty="0" smtClean="0">
+                <a:latin typeface="Times New Roman" pitchFamily="18" charset="0"/>
+                <a:cs typeface="Times New Roman" pitchFamily="18" charset="0"/>
+              </a:rPr>
+              <a:t> </a:t>
+            </a:r>
+            <a:r>
+              <a:rPr lang="en-US" sz="2000" dirty="0" err="1" smtClean="0">
+                <a:latin typeface="Times New Roman" pitchFamily="18" charset="0"/>
+                <a:cs typeface="Times New Roman" pitchFamily="18" charset="0"/>
+              </a:rPr>
+              <a:t>cách</a:t>
+            </a:r>
+            <a:r>
+              <a:rPr lang="en-US" sz="2000" dirty="0" smtClean="0">
+                <a:latin typeface="Times New Roman" pitchFamily="18" charset="0"/>
+                <a:cs typeface="Times New Roman" pitchFamily="18" charset="0"/>
+              </a:rPr>
+              <a:t> </a:t>
+            </a:r>
+            <a:r>
+              <a:rPr lang="en-US" sz="2000" dirty="0" err="1" smtClean="0">
+                <a:latin typeface="Times New Roman" pitchFamily="18" charset="0"/>
+                <a:cs typeface="Times New Roman" pitchFamily="18" charset="0"/>
+              </a:rPr>
+              <a:t>làm</a:t>
+            </a:r>
+            <a:r>
+              <a:rPr lang="en-US" sz="2000" dirty="0" smtClean="0">
+                <a:latin typeface="Times New Roman" pitchFamily="18" charset="0"/>
+                <a:cs typeface="Times New Roman" pitchFamily="18" charset="0"/>
+              </a:rPr>
+              <a:t>.</a:t>
+            </a:r>
+          </a:p>
+          <a:p>
+            <a:r>
+              <a:rPr lang="en-US" sz="2000" dirty="0" err="1" smtClean="0">
+                <a:latin typeface="Times New Roman" pitchFamily="18" charset="0"/>
+                <a:cs typeface="Times New Roman" pitchFamily="18" charset="0"/>
+              </a:rPr>
+              <a:t>Được</a:t>
+            </a:r>
+            <a:r>
+              <a:rPr lang="en-US" sz="2000" dirty="0" smtClean="0">
+                <a:latin typeface="Times New Roman" pitchFamily="18" charset="0"/>
+                <a:cs typeface="Times New Roman" pitchFamily="18" charset="0"/>
+              </a:rPr>
+              <a:t> </a:t>
+            </a:r>
+            <a:r>
+              <a:rPr lang="en-US" sz="2000" dirty="0" err="1" smtClean="0">
+                <a:latin typeface="Times New Roman" pitchFamily="18" charset="0"/>
+                <a:cs typeface="Times New Roman" pitchFamily="18" charset="0"/>
+              </a:rPr>
+              <a:t>giao</a:t>
+            </a:r>
+            <a:r>
+              <a:rPr lang="en-US" sz="2000" dirty="0" smtClean="0">
+                <a:latin typeface="Times New Roman" pitchFamily="18" charset="0"/>
+                <a:cs typeface="Times New Roman" pitchFamily="18" charset="0"/>
+              </a:rPr>
+              <a:t> </a:t>
+            </a:r>
+            <a:r>
+              <a:rPr lang="en-US" sz="2000" dirty="0" err="1" smtClean="0">
+                <a:latin typeface="Times New Roman" pitchFamily="18" charset="0"/>
+                <a:cs typeface="Times New Roman" pitchFamily="18" charset="0"/>
+              </a:rPr>
+              <a:t>làm</a:t>
+            </a:r>
+            <a:r>
+              <a:rPr lang="en-US" sz="2000" dirty="0" smtClean="0">
+                <a:latin typeface="Times New Roman" pitchFamily="18" charset="0"/>
+                <a:cs typeface="Times New Roman" pitchFamily="18" charset="0"/>
+              </a:rPr>
+              <a:t> </a:t>
+            </a:r>
+            <a:r>
+              <a:rPr lang="en-US" sz="2000" dirty="0" err="1" smtClean="0">
+                <a:latin typeface="Times New Roman" pitchFamily="18" charset="0"/>
+                <a:cs typeface="Times New Roman" pitchFamily="18" charset="0"/>
+              </a:rPr>
               <a:t>dự</a:t>
             </a:r>
             <a:r>
@@ -10132,551 +10430,26 @@
                 <a:latin typeface="Times New Roman" pitchFamily="18" charset="0"/>
                 <a:cs typeface="Times New Roman" pitchFamily="18" charset="0"/>
               </a:rPr>
-              <a:t> </a:t>
+              <a:t> mock </a:t>
             </a:r>
             <a:r>
               <a:rPr lang="en-US" sz="2000" dirty="0" err="1" smtClean="0">
                 <a:latin typeface="Times New Roman" pitchFamily="18" charset="0"/>
                 <a:cs typeface="Times New Roman" pitchFamily="18" charset="0"/>
               </a:rPr>
-              <a:t>thực</a:t>
+              <a:t>Fazada</a:t>
             </a:r>
             <a:r>
               <a:rPr lang="en-US" sz="2000" dirty="0" smtClean="0">
                 <a:latin typeface="Times New Roman" pitchFamily="18" charset="0"/>
                 <a:cs typeface="Times New Roman" pitchFamily="18" charset="0"/>
               </a:rPr>
-              <a:t> </a:t>
-            </a:r>
-            <a:r>
-              <a:rPr lang="en-US" sz="2000" dirty="0" err="1" smtClean="0">
-                <a:latin typeface="Times New Roman" pitchFamily="18" charset="0"/>
-                <a:cs typeface="Times New Roman" pitchFamily="18" charset="0"/>
-              </a:rPr>
-              <a:t>tế</a:t>
-            </a:r>
-            <a:r>
-              <a:rPr lang="en-US" sz="2000" dirty="0" smtClean="0">
-                <a:latin typeface="Times New Roman" pitchFamily="18" charset="0"/>
-                <a:cs typeface="Times New Roman" pitchFamily="18" charset="0"/>
-              </a:rPr>
               <a:t>.</a:t>
             </a:r>
-          </a:p>
-          <a:p>
-            <a:r>
-              <a:rPr lang="en-US" sz="2000" dirty="0" err="1" smtClean="0">
-                <a:latin typeface="Times New Roman" pitchFamily="18" charset="0"/>
-                <a:cs typeface="Times New Roman" pitchFamily="18" charset="0"/>
-              </a:rPr>
-              <a:t>Tùy</a:t>
-            </a:r>
-            <a:r>
-              <a:rPr lang="en-US" sz="2000" dirty="0" smtClean="0">
-                <a:latin typeface="Times New Roman" pitchFamily="18" charset="0"/>
-                <a:cs typeface="Times New Roman" pitchFamily="18" charset="0"/>
-              </a:rPr>
-              <a:t> </a:t>
-            </a:r>
-            <a:r>
-              <a:rPr lang="en-US" sz="2000" dirty="0" err="1" smtClean="0">
-                <a:latin typeface="Times New Roman" pitchFamily="18" charset="0"/>
-                <a:cs typeface="Times New Roman" pitchFamily="18" charset="0"/>
-              </a:rPr>
-              <a:t>theo</a:t>
-            </a:r>
-            <a:r>
-              <a:rPr lang="en-US" sz="2000" dirty="0" smtClean="0">
-                <a:latin typeface="Times New Roman" pitchFamily="18" charset="0"/>
-                <a:cs typeface="Times New Roman" pitchFamily="18" charset="0"/>
-              </a:rPr>
-              <a:t> </a:t>
-            </a:r>
-            <a:r>
-              <a:rPr lang="en-US" sz="2000" dirty="0" err="1" smtClean="0">
-                <a:latin typeface="Times New Roman" pitchFamily="18" charset="0"/>
-                <a:cs typeface="Times New Roman" pitchFamily="18" charset="0"/>
-              </a:rPr>
-              <a:t>năng</a:t>
-            </a:r>
-            <a:r>
-              <a:rPr lang="en-US" sz="2000" dirty="0" smtClean="0">
-                <a:latin typeface="Times New Roman" pitchFamily="18" charset="0"/>
-                <a:cs typeface="Times New Roman" pitchFamily="18" charset="0"/>
-              </a:rPr>
-              <a:t> </a:t>
-            </a:r>
-            <a:r>
-              <a:rPr lang="en-US" sz="2000" dirty="0" err="1" smtClean="0">
-                <a:latin typeface="Times New Roman" pitchFamily="18" charset="0"/>
-                <a:cs typeface="Times New Roman" pitchFamily="18" charset="0"/>
-              </a:rPr>
-              <a:t>lực</a:t>
-            </a:r>
-            <a:r>
-              <a:rPr lang="en-US" sz="2000" dirty="0" smtClean="0">
-                <a:latin typeface="Times New Roman" pitchFamily="18" charset="0"/>
-                <a:cs typeface="Times New Roman" pitchFamily="18" charset="0"/>
-              </a:rPr>
-              <a:t> </a:t>
-            </a:r>
-            <a:r>
-              <a:rPr lang="en-US" sz="2000" dirty="0" err="1" smtClean="0">
-                <a:latin typeface="Times New Roman" pitchFamily="18" charset="0"/>
-                <a:cs typeface="Times New Roman" pitchFamily="18" charset="0"/>
-              </a:rPr>
-              <a:t>của</a:t>
-            </a:r>
-            <a:r>
-              <a:rPr lang="en-US" sz="2000" dirty="0" smtClean="0">
-                <a:latin typeface="Times New Roman" pitchFamily="18" charset="0"/>
-                <a:cs typeface="Times New Roman" pitchFamily="18" charset="0"/>
-              </a:rPr>
-              <a:t> </a:t>
-            </a:r>
-            <a:r>
-              <a:rPr lang="en-US" sz="2000" dirty="0" err="1" smtClean="0">
-                <a:latin typeface="Times New Roman" pitchFamily="18" charset="0"/>
-                <a:cs typeface="Times New Roman" pitchFamily="18" charset="0"/>
-              </a:rPr>
-              <a:t>bản</a:t>
-            </a:r>
-            <a:r>
-              <a:rPr lang="en-US" sz="2000" dirty="0" smtClean="0">
-                <a:latin typeface="Times New Roman" pitchFamily="18" charset="0"/>
-                <a:cs typeface="Times New Roman" pitchFamily="18" charset="0"/>
-              </a:rPr>
-              <a:t> </a:t>
-            </a:r>
-            <a:r>
-              <a:rPr lang="en-US" sz="2000" dirty="0" err="1" smtClean="0">
-                <a:latin typeface="Times New Roman" pitchFamily="18" charset="0"/>
-                <a:cs typeface="Times New Roman" pitchFamily="18" charset="0"/>
-              </a:rPr>
-              <a:t>thân</a:t>
-            </a:r>
-            <a:r>
-              <a:rPr lang="en-US" sz="2000" dirty="0" smtClean="0">
-                <a:latin typeface="Times New Roman" pitchFamily="18" charset="0"/>
-                <a:cs typeface="Times New Roman" pitchFamily="18" charset="0"/>
-              </a:rPr>
-              <a:t> </a:t>
-            </a:r>
-            <a:r>
-              <a:rPr lang="en-US" sz="2000" dirty="0" err="1" smtClean="0">
-                <a:latin typeface="Times New Roman" pitchFamily="18" charset="0"/>
-                <a:cs typeface="Times New Roman" pitchFamily="18" charset="0"/>
-              </a:rPr>
-              <a:t>và</a:t>
-            </a:r>
-            <a:r>
-              <a:rPr lang="en-US" sz="2000" dirty="0" smtClean="0">
-                <a:latin typeface="Times New Roman" pitchFamily="18" charset="0"/>
-                <a:cs typeface="Times New Roman" pitchFamily="18" charset="0"/>
-              </a:rPr>
-              <a:t> </a:t>
-            </a:r>
-            <a:r>
-              <a:rPr lang="en-US" sz="2000" dirty="0" err="1" smtClean="0">
-                <a:latin typeface="Times New Roman" pitchFamily="18" charset="0"/>
-                <a:cs typeface="Times New Roman" pitchFamily="18" charset="0"/>
-              </a:rPr>
-              <a:t>nhu</a:t>
-            </a:r>
-            <a:r>
-              <a:rPr lang="en-US" sz="2000" dirty="0" smtClean="0">
-                <a:latin typeface="Times New Roman" pitchFamily="18" charset="0"/>
-                <a:cs typeface="Times New Roman" pitchFamily="18" charset="0"/>
-              </a:rPr>
-              <a:t> </a:t>
-            </a:r>
-            <a:r>
-              <a:rPr lang="en-US" sz="2000" dirty="0" err="1" smtClean="0">
-                <a:latin typeface="Times New Roman" pitchFamily="18" charset="0"/>
-                <a:cs typeface="Times New Roman" pitchFamily="18" charset="0"/>
-              </a:rPr>
-              <a:t>cầu</a:t>
-            </a:r>
-            <a:r>
-              <a:rPr lang="en-US" sz="2000" dirty="0" smtClean="0">
-                <a:latin typeface="Times New Roman" pitchFamily="18" charset="0"/>
-                <a:cs typeface="Times New Roman" pitchFamily="18" charset="0"/>
-              </a:rPr>
-              <a:t> </a:t>
-            </a:r>
-            <a:r>
-              <a:rPr lang="en-US" sz="2000" dirty="0" err="1" smtClean="0">
-                <a:latin typeface="Times New Roman" pitchFamily="18" charset="0"/>
-                <a:cs typeface="Times New Roman" pitchFamily="18" charset="0"/>
-              </a:rPr>
-              <a:t>cần</a:t>
-            </a:r>
-            <a:r>
-              <a:rPr lang="en-US" sz="2000" dirty="0" smtClean="0">
-                <a:latin typeface="Times New Roman" pitchFamily="18" charset="0"/>
-                <a:cs typeface="Times New Roman" pitchFamily="18" charset="0"/>
-              </a:rPr>
-              <a:t> </a:t>
-            </a:r>
-            <a:r>
-              <a:rPr lang="en-US" sz="2000" dirty="0" err="1" smtClean="0">
-                <a:latin typeface="Times New Roman" pitchFamily="18" charset="0"/>
-                <a:cs typeface="Times New Roman" pitchFamily="18" charset="0"/>
-              </a:rPr>
-              <a:t>người</a:t>
-            </a:r>
-            <a:r>
-              <a:rPr lang="en-US" sz="2000" dirty="0" smtClean="0">
-                <a:latin typeface="Times New Roman" pitchFamily="18" charset="0"/>
-                <a:cs typeface="Times New Roman" pitchFamily="18" charset="0"/>
-              </a:rPr>
-              <a:t> </a:t>
-            </a:r>
-            <a:r>
-              <a:rPr lang="en-US" sz="2000" dirty="0" err="1" smtClean="0">
-                <a:latin typeface="Times New Roman" pitchFamily="18" charset="0"/>
-                <a:cs typeface="Times New Roman" pitchFamily="18" charset="0"/>
-              </a:rPr>
-              <a:t>của</a:t>
-            </a:r>
-            <a:r>
-              <a:rPr lang="en-US" sz="2000" dirty="0" smtClean="0">
-                <a:latin typeface="Times New Roman" pitchFamily="18" charset="0"/>
-                <a:cs typeface="Times New Roman" pitchFamily="18" charset="0"/>
-              </a:rPr>
-              <a:t> </a:t>
-            </a:r>
-            <a:r>
-              <a:rPr lang="en-US" sz="2000" dirty="0" err="1" smtClean="0">
-                <a:latin typeface="Times New Roman" pitchFamily="18" charset="0"/>
-                <a:cs typeface="Times New Roman" pitchFamily="18" charset="0"/>
-              </a:rPr>
-              <a:t>đơn</a:t>
-            </a:r>
-            <a:r>
-              <a:rPr lang="en-US" sz="2000" dirty="0" smtClean="0">
-                <a:latin typeface="Times New Roman" pitchFamily="18" charset="0"/>
-                <a:cs typeface="Times New Roman" pitchFamily="18" charset="0"/>
-              </a:rPr>
-              <a:t> </a:t>
-            </a:r>
-            <a:r>
-              <a:rPr lang="en-US" sz="2000" dirty="0" err="1" smtClean="0">
-                <a:latin typeface="Times New Roman" pitchFamily="18" charset="0"/>
-                <a:cs typeface="Times New Roman" pitchFamily="18" charset="0"/>
-              </a:rPr>
-              <a:t>vị</a:t>
-            </a:r>
-            <a:r>
-              <a:rPr lang="en-US" sz="2000" dirty="0" smtClean="0">
-                <a:latin typeface="Times New Roman" pitchFamily="18" charset="0"/>
-                <a:cs typeface="Times New Roman" pitchFamily="18" charset="0"/>
-              </a:rPr>
-              <a:t> </a:t>
-            </a:r>
-            <a:r>
-              <a:rPr lang="en-US" sz="2000" dirty="0" err="1" smtClean="0">
-                <a:latin typeface="Times New Roman" pitchFamily="18" charset="0"/>
-                <a:cs typeface="Times New Roman" pitchFamily="18" charset="0"/>
-              </a:rPr>
-              <a:t>mà</a:t>
-            </a:r>
-            <a:r>
-              <a:rPr lang="en-US" sz="2000" dirty="0" smtClean="0">
-                <a:latin typeface="Times New Roman" pitchFamily="18" charset="0"/>
-                <a:cs typeface="Times New Roman" pitchFamily="18" charset="0"/>
-              </a:rPr>
-              <a:t> </a:t>
-            </a:r>
-            <a:r>
-              <a:rPr lang="en-US" sz="2000" dirty="0" err="1" smtClean="0">
-                <a:latin typeface="Times New Roman" pitchFamily="18" charset="0"/>
-                <a:cs typeface="Times New Roman" pitchFamily="18" charset="0"/>
-              </a:rPr>
-              <a:t>mỗi</a:t>
-            </a:r>
-            <a:r>
-              <a:rPr lang="en-US" sz="2000" dirty="0" smtClean="0">
-                <a:latin typeface="Times New Roman" pitchFamily="18" charset="0"/>
-                <a:cs typeface="Times New Roman" pitchFamily="18" charset="0"/>
-              </a:rPr>
-              <a:t> </a:t>
-            </a:r>
-            <a:r>
-              <a:rPr lang="en-US" sz="2000" dirty="0" err="1" smtClean="0">
-                <a:latin typeface="Times New Roman" pitchFamily="18" charset="0"/>
-                <a:cs typeface="Times New Roman" pitchFamily="18" charset="0"/>
-              </a:rPr>
-              <a:t>người</a:t>
-            </a:r>
-            <a:r>
-              <a:rPr lang="en-US" sz="2000" dirty="0" smtClean="0">
-                <a:latin typeface="Times New Roman" pitchFamily="18" charset="0"/>
-                <a:cs typeface="Times New Roman" pitchFamily="18" charset="0"/>
-              </a:rPr>
-              <a:t> </a:t>
-            </a:r>
-            <a:r>
-              <a:rPr lang="en-US" sz="2000" dirty="0" err="1" smtClean="0">
-                <a:latin typeface="Times New Roman" pitchFamily="18" charset="0"/>
-                <a:cs typeface="Times New Roman" pitchFamily="18" charset="0"/>
-              </a:rPr>
-              <a:t>sẽ</a:t>
-            </a:r>
-            <a:r>
-              <a:rPr lang="en-US" sz="2000" dirty="0" smtClean="0">
-                <a:latin typeface="Times New Roman" pitchFamily="18" charset="0"/>
-                <a:cs typeface="Times New Roman" pitchFamily="18" charset="0"/>
-              </a:rPr>
-              <a:t> </a:t>
-            </a:r>
-            <a:r>
-              <a:rPr lang="en-US" sz="2000" dirty="0" err="1" smtClean="0">
-                <a:latin typeface="Times New Roman" pitchFamily="18" charset="0"/>
-                <a:cs typeface="Times New Roman" pitchFamily="18" charset="0"/>
-              </a:rPr>
-              <a:t>có</a:t>
-            </a:r>
-            <a:r>
-              <a:rPr lang="en-US" sz="2000" dirty="0">
-                <a:latin typeface="Times New Roman" pitchFamily="18" charset="0"/>
-                <a:cs typeface="Times New Roman" pitchFamily="18" charset="0"/>
-              </a:rPr>
-              <a:t> </a:t>
-            </a:r>
-            <a:r>
-              <a:rPr lang="en-US" sz="2000" dirty="0" smtClean="0">
-                <a:latin typeface="Times New Roman" pitchFamily="18" charset="0"/>
-                <a:cs typeface="Times New Roman" pitchFamily="18" charset="0"/>
-              </a:rPr>
-              <a:t>1 </a:t>
-            </a:r>
-            <a:r>
-              <a:rPr lang="en-US" sz="2000" dirty="0" err="1" smtClean="0">
-                <a:latin typeface="Times New Roman" pitchFamily="18" charset="0"/>
-                <a:cs typeface="Times New Roman" pitchFamily="18" charset="0"/>
-              </a:rPr>
-              <a:t>nhiệm</a:t>
-            </a:r>
-            <a:r>
-              <a:rPr lang="en-US" sz="2000" dirty="0" smtClean="0">
-                <a:latin typeface="Times New Roman" pitchFamily="18" charset="0"/>
-                <a:cs typeface="Times New Roman" pitchFamily="18" charset="0"/>
-              </a:rPr>
-              <a:t> </a:t>
-            </a:r>
-            <a:r>
-              <a:rPr lang="en-US" sz="2000" dirty="0" err="1" smtClean="0">
-                <a:latin typeface="Times New Roman" pitchFamily="18" charset="0"/>
-                <a:cs typeface="Times New Roman" pitchFamily="18" charset="0"/>
-              </a:rPr>
-              <a:t>vụ</a:t>
-            </a:r>
-            <a:r>
-              <a:rPr lang="en-US" sz="2000" dirty="0" smtClean="0">
-                <a:latin typeface="Times New Roman" pitchFamily="18" charset="0"/>
-                <a:cs typeface="Times New Roman" pitchFamily="18" charset="0"/>
-              </a:rPr>
-              <a:t> </a:t>
-            </a:r>
-            <a:r>
-              <a:rPr lang="en-US" sz="2000" dirty="0" err="1" smtClean="0">
-                <a:latin typeface="Times New Roman" pitchFamily="18" charset="0"/>
-                <a:cs typeface="Times New Roman" pitchFamily="18" charset="0"/>
-              </a:rPr>
-              <a:t>khác</a:t>
-            </a:r>
-            <a:r>
-              <a:rPr lang="en-US" sz="2000" dirty="0" smtClean="0">
-                <a:latin typeface="Times New Roman" pitchFamily="18" charset="0"/>
-                <a:cs typeface="Times New Roman" pitchFamily="18" charset="0"/>
-              </a:rPr>
-              <a:t> </a:t>
-            </a:r>
-            <a:r>
-              <a:rPr lang="en-US" sz="2000" dirty="0" err="1" smtClean="0">
-                <a:latin typeface="Times New Roman" pitchFamily="18" charset="0"/>
-                <a:cs typeface="Times New Roman" pitchFamily="18" charset="0"/>
-              </a:rPr>
-              <a:t>nhau</a:t>
-            </a:r>
-            <a:r>
-              <a:rPr lang="en-US" sz="2000" dirty="0" smtClean="0">
-                <a:latin typeface="Times New Roman" pitchFamily="18" charset="0"/>
-                <a:cs typeface="Times New Roman" pitchFamily="18" charset="0"/>
-              </a:rPr>
-              <a:t>: code, test, ….</a:t>
-            </a:r>
-          </a:p>
-          <a:p>
-            <a:r>
-              <a:rPr lang="en-US" sz="2000" dirty="0" err="1" smtClean="0">
-                <a:latin typeface="Times New Roman" pitchFamily="18" charset="0"/>
-                <a:cs typeface="Times New Roman" pitchFamily="18" charset="0"/>
-              </a:rPr>
-              <a:t>Hoàn</a:t>
-            </a:r>
-            <a:r>
-              <a:rPr lang="en-US" sz="2000" dirty="0" smtClean="0">
-                <a:latin typeface="Times New Roman" pitchFamily="18" charset="0"/>
-                <a:cs typeface="Times New Roman" pitchFamily="18" charset="0"/>
-              </a:rPr>
-              <a:t> </a:t>
-            </a:r>
-            <a:r>
-              <a:rPr lang="en-US" sz="2000" dirty="0" err="1" smtClean="0">
-                <a:latin typeface="Times New Roman" pitchFamily="18" charset="0"/>
-                <a:cs typeface="Times New Roman" pitchFamily="18" charset="0"/>
-              </a:rPr>
-              <a:t>thành</a:t>
-            </a:r>
-            <a:r>
-              <a:rPr lang="en-US" sz="2000" dirty="0" smtClean="0">
-                <a:latin typeface="Times New Roman" pitchFamily="18" charset="0"/>
-                <a:cs typeface="Times New Roman" pitchFamily="18" charset="0"/>
-              </a:rPr>
-              <a:t> </a:t>
-            </a:r>
-            <a:r>
-              <a:rPr lang="en-US" sz="2000" dirty="0" err="1" smtClean="0">
-                <a:latin typeface="Times New Roman" pitchFamily="18" charset="0"/>
-                <a:cs typeface="Times New Roman" pitchFamily="18" charset="0"/>
-              </a:rPr>
-              <a:t>nhiệm</a:t>
-            </a:r>
-            <a:r>
-              <a:rPr lang="en-US" sz="2000" dirty="0" smtClean="0">
-                <a:latin typeface="Times New Roman" pitchFamily="18" charset="0"/>
-                <a:cs typeface="Times New Roman" pitchFamily="18" charset="0"/>
-              </a:rPr>
-              <a:t> </a:t>
-            </a:r>
-            <a:r>
-              <a:rPr lang="en-US" sz="2000" dirty="0" err="1" smtClean="0">
-                <a:latin typeface="Times New Roman" pitchFamily="18" charset="0"/>
-                <a:cs typeface="Times New Roman" pitchFamily="18" charset="0"/>
-              </a:rPr>
-              <a:t>vụ</a:t>
-            </a:r>
-            <a:r>
-              <a:rPr lang="en-US" sz="2000" dirty="0" smtClean="0">
-                <a:latin typeface="Times New Roman" pitchFamily="18" charset="0"/>
-                <a:cs typeface="Times New Roman" pitchFamily="18" charset="0"/>
-              </a:rPr>
-              <a:t> </a:t>
-            </a:r>
-            <a:r>
-              <a:rPr lang="en-US" sz="2000" dirty="0" err="1" smtClean="0">
-                <a:latin typeface="Times New Roman" pitchFamily="18" charset="0"/>
-                <a:cs typeface="Times New Roman" pitchFamily="18" charset="0"/>
-              </a:rPr>
-              <a:t>được</a:t>
-            </a:r>
-            <a:r>
-              <a:rPr lang="en-US" sz="2000" dirty="0" smtClean="0">
-                <a:latin typeface="Times New Roman" pitchFamily="18" charset="0"/>
-                <a:cs typeface="Times New Roman" pitchFamily="18" charset="0"/>
-              </a:rPr>
-              <a:t> </a:t>
-            </a:r>
-            <a:r>
-              <a:rPr lang="en-US" sz="2000" dirty="0" err="1" smtClean="0">
-                <a:latin typeface="Times New Roman" pitchFamily="18" charset="0"/>
-                <a:cs typeface="Times New Roman" pitchFamily="18" charset="0"/>
-              </a:rPr>
-              <a:t>giao</a:t>
-            </a:r>
-            <a:r>
-              <a:rPr lang="en-US" sz="2000" dirty="0" smtClean="0">
-                <a:latin typeface="Times New Roman" pitchFamily="18" charset="0"/>
-                <a:cs typeface="Times New Roman" pitchFamily="18" charset="0"/>
-              </a:rPr>
-              <a:t> </a:t>
-            </a:r>
-            <a:r>
-              <a:rPr lang="en-US" sz="2000" dirty="0" err="1" smtClean="0">
-                <a:latin typeface="Times New Roman" pitchFamily="18" charset="0"/>
-                <a:cs typeface="Times New Roman" pitchFamily="18" charset="0"/>
-              </a:rPr>
-              <a:t>trong</a:t>
-            </a:r>
-            <a:r>
-              <a:rPr lang="en-US" sz="2000" dirty="0" smtClean="0">
-                <a:latin typeface="Times New Roman" pitchFamily="18" charset="0"/>
-                <a:cs typeface="Times New Roman" pitchFamily="18" charset="0"/>
-              </a:rPr>
-              <a:t> </a:t>
-            </a:r>
-            <a:r>
-              <a:rPr lang="en-US" sz="2000" dirty="0" err="1" smtClean="0">
-                <a:latin typeface="Times New Roman" pitchFamily="18" charset="0"/>
-                <a:cs typeface="Times New Roman" pitchFamily="18" charset="0"/>
-              </a:rPr>
-              <a:t>mỗi</a:t>
-            </a:r>
-            <a:r>
-              <a:rPr lang="en-US" sz="2000" dirty="0" smtClean="0">
-                <a:latin typeface="Times New Roman" pitchFamily="18" charset="0"/>
-                <a:cs typeface="Times New Roman" pitchFamily="18" charset="0"/>
-              </a:rPr>
-              <a:t> sprint </a:t>
-            </a:r>
-            <a:r>
-              <a:rPr lang="en-US" sz="2000" dirty="0" err="1" smtClean="0">
-                <a:latin typeface="Times New Roman" pitchFamily="18" charset="0"/>
-                <a:cs typeface="Times New Roman" pitchFamily="18" charset="0"/>
-              </a:rPr>
-              <a:t>cuối</a:t>
-            </a:r>
-            <a:r>
-              <a:rPr lang="en-US" sz="2000" dirty="0" smtClean="0">
-                <a:latin typeface="Times New Roman" pitchFamily="18" charset="0"/>
-                <a:cs typeface="Times New Roman" pitchFamily="18" charset="0"/>
-              </a:rPr>
-              <a:t> sprint </a:t>
-            </a:r>
-            <a:r>
-              <a:rPr lang="en-US" sz="2000" dirty="0" err="1" smtClean="0">
-                <a:latin typeface="Times New Roman" pitchFamily="18" charset="0"/>
-                <a:cs typeface="Times New Roman" pitchFamily="18" charset="0"/>
-              </a:rPr>
-              <a:t>sẽ</a:t>
-            </a:r>
-            <a:r>
-              <a:rPr lang="en-US" sz="2000" dirty="0" smtClean="0">
-                <a:latin typeface="Times New Roman" pitchFamily="18" charset="0"/>
-                <a:cs typeface="Times New Roman" pitchFamily="18" charset="0"/>
-              </a:rPr>
-              <a:t> </a:t>
-            </a:r>
-            <a:r>
-              <a:rPr lang="en-US" sz="2000" dirty="0" err="1" smtClean="0">
-                <a:latin typeface="Times New Roman" pitchFamily="18" charset="0"/>
-                <a:cs typeface="Times New Roman" pitchFamily="18" charset="0"/>
-              </a:rPr>
-              <a:t>có</a:t>
-            </a:r>
-            <a:r>
-              <a:rPr lang="en-US" sz="2000" dirty="0" smtClean="0">
-                <a:latin typeface="Times New Roman" pitchFamily="18" charset="0"/>
-                <a:cs typeface="Times New Roman" pitchFamily="18" charset="0"/>
-              </a:rPr>
-              <a:t> 1 </a:t>
-            </a:r>
-            <a:r>
-              <a:rPr lang="en-US" sz="2000" dirty="0" err="1" smtClean="0">
-                <a:latin typeface="Times New Roman" pitchFamily="18" charset="0"/>
-                <a:cs typeface="Times New Roman" pitchFamily="18" charset="0"/>
-              </a:rPr>
-              <a:t>buổi</a:t>
-            </a:r>
-            <a:r>
-              <a:rPr lang="en-US" sz="2000" dirty="0" smtClean="0">
-                <a:latin typeface="Times New Roman" pitchFamily="18" charset="0"/>
-                <a:cs typeface="Times New Roman" pitchFamily="18" charset="0"/>
-              </a:rPr>
-              <a:t> demo.</a:t>
-            </a:r>
+            <a:endParaRPr lang="en-US" sz="2000" dirty="0" smtClean="0">
+              <a:latin typeface="Times New Roman" pitchFamily="18" charset="0"/>
+              <a:cs typeface="Times New Roman" pitchFamily="18" charset="0"/>
+            </a:endParaRPr>
           </a:p>
           <a:p>
             <a:r>
